--- a/Week 10, Lecture 2 Feature Engineering.pptx
+++ b/Week 10, Lecture 2 Feature Engineering.pptx
@@ -855,7 +855,7 @@
               </a:spcAft>
               <a:buNone/>
             </a:pPr>
-            <a:endParaRPr/>
+            <a:endParaRPr dirty="0"/>
           </a:p>
         </p:txBody>
       </p:sp>
@@ -959,7 +959,7 @@
               </a:spcAft>
               <a:buNone/>
             </a:pPr>
-            <a:endParaRPr/>
+            <a:endParaRPr dirty="0"/>
           </a:p>
         </p:txBody>
       </p:sp>
@@ -1000,7 +1000,7 @@
         </p:nvSpPr>
         <p:spPr>
           <a:xfrm>
-            <a:off x="381300" y="685800"/>
+            <a:off x="381000" y="685800"/>
             <a:ext cx="6096000" cy="3429000"/>
           </a:xfrm>
           <a:custGeom>
@@ -1063,7 +1063,7 @@
               </a:spcAft>
               <a:buNone/>
             </a:pPr>
-            <a:endParaRPr/>
+            <a:endParaRPr dirty="0"/>
           </a:p>
         </p:txBody>
       </p:sp>
@@ -1104,7 +1104,7 @@
         </p:nvSpPr>
         <p:spPr>
           <a:xfrm>
-            <a:off x="381300" y="685800"/>
+            <a:off x="381000" y="685800"/>
             <a:ext cx="6096000" cy="3429000"/>
           </a:xfrm>
           <a:custGeom>
@@ -1167,7 +1167,7 @@
               </a:spcAft>
               <a:buNone/>
             </a:pPr>
-            <a:endParaRPr/>
+            <a:endParaRPr dirty="0"/>
           </a:p>
         </p:txBody>
       </p:sp>
@@ -1271,7 +1271,7 @@
               </a:spcAft>
               <a:buNone/>
             </a:pPr>
-            <a:endParaRPr/>
+            <a:endParaRPr dirty="0"/>
           </a:p>
         </p:txBody>
       </p:sp>
@@ -1375,7 +1375,7 @@
               </a:spcAft>
               <a:buNone/>
             </a:pPr>
-            <a:endParaRPr/>
+            <a:endParaRPr dirty="0"/>
           </a:p>
         </p:txBody>
       </p:sp>
@@ -1479,7 +1479,7 @@
               </a:spcAft>
               <a:buNone/>
             </a:pPr>
-            <a:endParaRPr/>
+            <a:endParaRPr dirty="0"/>
           </a:p>
         </p:txBody>
       </p:sp>
@@ -1583,7 +1583,7 @@
               </a:spcAft>
               <a:buNone/>
             </a:pPr>
-            <a:endParaRPr/>
+            <a:endParaRPr dirty="0"/>
           </a:p>
         </p:txBody>
       </p:sp>
@@ -1687,7 +1687,7 @@
               </a:spcAft>
               <a:buNone/>
             </a:pPr>
-            <a:endParaRPr/>
+            <a:endParaRPr dirty="0"/>
           </a:p>
         </p:txBody>
       </p:sp>
@@ -1791,7 +1791,7 @@
               </a:spcAft>
               <a:buNone/>
             </a:pPr>
-            <a:endParaRPr/>
+            <a:endParaRPr dirty="0"/>
           </a:p>
         </p:txBody>
       </p:sp>
@@ -1832,7 +1832,7 @@
         </p:nvSpPr>
         <p:spPr>
           <a:xfrm>
-            <a:off x="381300" y="685800"/>
+            <a:off x="381000" y="685800"/>
             <a:ext cx="6096000" cy="3429000"/>
           </a:xfrm>
           <a:custGeom>
@@ -1895,7 +1895,7 @@
               </a:spcAft>
               <a:buNone/>
             </a:pPr>
-            <a:endParaRPr/>
+            <a:endParaRPr dirty="0"/>
           </a:p>
         </p:txBody>
       </p:sp>
@@ -1966,7 +1966,7 @@
               <a:buSzPts val="1100"/>
               <a:buNone/>
             </a:pPr>
-            <a:endParaRPr/>
+            <a:endParaRPr dirty="0"/>
           </a:p>
         </p:txBody>
       </p:sp>
@@ -2121,7 +2121,7 @@
               </a:spcAft>
               <a:buNone/>
             </a:pPr>
-            <a:endParaRPr/>
+            <a:endParaRPr dirty="0"/>
           </a:p>
         </p:txBody>
       </p:sp>
@@ -2162,7 +2162,7 @@
         </p:nvSpPr>
         <p:spPr>
           <a:xfrm>
-            <a:off x="381300" y="685800"/>
+            <a:off x="381000" y="685800"/>
             <a:ext cx="6096000" cy="3429000"/>
           </a:xfrm>
           <a:custGeom>
@@ -2225,7 +2225,7 @@
               </a:spcAft>
               <a:buNone/>
             </a:pPr>
-            <a:endParaRPr/>
+            <a:endParaRPr dirty="0"/>
           </a:p>
         </p:txBody>
       </p:sp>
@@ -2329,7 +2329,7 @@
               </a:spcAft>
               <a:buNone/>
             </a:pPr>
-            <a:endParaRPr/>
+            <a:endParaRPr dirty="0"/>
           </a:p>
         </p:txBody>
       </p:sp>
@@ -2370,7 +2370,7 @@
         </p:nvSpPr>
         <p:spPr>
           <a:xfrm>
-            <a:off x="381300" y="685800"/>
+            <a:off x="381000" y="685800"/>
             <a:ext cx="6096000" cy="3429000"/>
           </a:xfrm>
           <a:custGeom>
@@ -2433,7 +2433,7 @@
               </a:spcAft>
               <a:buNone/>
             </a:pPr>
-            <a:endParaRPr/>
+            <a:endParaRPr dirty="0"/>
           </a:p>
         </p:txBody>
       </p:sp>
@@ -2537,7 +2537,7 @@
               </a:spcAft>
               <a:buNone/>
             </a:pPr>
-            <a:endParaRPr/>
+            <a:endParaRPr dirty="0"/>
           </a:p>
         </p:txBody>
       </p:sp>
@@ -2641,7 +2641,7 @@
               </a:spcAft>
               <a:buNone/>
             </a:pPr>
-            <a:endParaRPr/>
+            <a:endParaRPr dirty="0"/>
           </a:p>
         </p:txBody>
       </p:sp>
@@ -2745,7 +2745,7 @@
               </a:spcAft>
               <a:buNone/>
             </a:pPr>
-            <a:endParaRPr/>
+            <a:endParaRPr dirty="0"/>
           </a:p>
         </p:txBody>
       </p:sp>
@@ -2849,7 +2849,7 @@
               </a:spcAft>
               <a:buNone/>
             </a:pPr>
-            <a:endParaRPr/>
+            <a:endParaRPr dirty="0"/>
           </a:p>
         </p:txBody>
       </p:sp>
@@ -2953,7 +2953,7 @@
               </a:spcAft>
               <a:buNone/>
             </a:pPr>
-            <a:endParaRPr/>
+            <a:endParaRPr dirty="0"/>
           </a:p>
         </p:txBody>
       </p:sp>
@@ -3057,7 +3057,7 @@
               </a:spcAft>
               <a:buNone/>
             </a:pPr>
-            <a:endParaRPr/>
+            <a:endParaRPr dirty="0"/>
           </a:p>
         </p:txBody>
       </p:sp>
@@ -3791,7 +3791,7 @@
               <a:rPr lang="en"/>
               <a:t>‹#›</a:t>
             </a:fld>
-            <a:endParaRPr/>
+            <a:endParaRPr dirty="0"/>
           </a:p>
         </p:txBody>
       </p:sp>
@@ -3831,7 +3831,7 @@
         <p:fade/>
       </p:transition>
     </mc:Choice>
-    <mc:Fallback xmlns="" xmlns:mv="urn:schemas-microsoft-com:mac:vml" xmlns:c="http://schemas.openxmlformats.org/drawingml/2006/chart" xmlns:dgm="http://schemas.openxmlformats.org/drawingml/2006/diagram" xmlns:o="urn:schemas-microsoft-com:office:office" xmlns:v="urn:schemas-microsoft-com:vml" xmlns:pvml="urn:schemas-microsoft-com:office:powerpoint" xmlns:com="http://schemas.openxmlformats.org/drawingml/2006/compatibility" xmlns:p15="http://schemas.microsoft.com/office/powerpoint/2012/main" xmlns:ahyp="http://schemas.microsoft.com/office/drawing/2018/hyperlinkcolor">
+    <mc:Fallback xmlns:ahyp="http://schemas.microsoft.com/office/drawing/2018/hyperlinkcolor" xmlns:p15="http://schemas.microsoft.com/office/powerpoint/2012/main" xmlns:com="http://schemas.openxmlformats.org/drawingml/2006/compatibility" xmlns:pvml="urn:schemas-microsoft-com:office:powerpoint" xmlns:v="urn:schemas-microsoft-com:vml" xmlns:o="urn:schemas-microsoft-com:office:office" xmlns:dgm="http://schemas.openxmlformats.org/drawingml/2006/diagram" xmlns:c="http://schemas.openxmlformats.org/drawingml/2006/chart" xmlns:mv="urn:schemas-microsoft-com:mac:vml" xmlns="">
       <p:transition spd="slow">
         <p:fade/>
       </p:transition>
@@ -3868,7 +3868,7 @@
         <p:fade/>
       </p:transition>
     </mc:Choice>
-    <mc:Fallback xmlns="" xmlns:mv="urn:schemas-microsoft-com:mac:vml" xmlns:c="http://schemas.openxmlformats.org/drawingml/2006/chart" xmlns:dgm="http://schemas.openxmlformats.org/drawingml/2006/diagram" xmlns:o="urn:schemas-microsoft-com:office:office" xmlns:v="urn:schemas-microsoft-com:vml" xmlns:pvml="urn:schemas-microsoft-com:office:powerpoint" xmlns:com="http://schemas.openxmlformats.org/drawingml/2006/compatibility" xmlns:p15="http://schemas.microsoft.com/office/powerpoint/2012/main" xmlns:ahyp="http://schemas.microsoft.com/office/drawing/2018/hyperlinkcolor">
+    <mc:Fallback xmlns:ahyp="http://schemas.microsoft.com/office/drawing/2018/hyperlinkcolor" xmlns:p15="http://schemas.microsoft.com/office/powerpoint/2012/main" xmlns:com="http://schemas.openxmlformats.org/drawingml/2006/compatibility" xmlns:pvml="urn:schemas-microsoft-com:office:powerpoint" xmlns:v="urn:schemas-microsoft-com:vml" xmlns:o="urn:schemas-microsoft-com:office:office" xmlns:dgm="http://schemas.openxmlformats.org/drawingml/2006/diagram" xmlns:c="http://schemas.openxmlformats.org/drawingml/2006/chart" xmlns:mv="urn:schemas-microsoft-com:mac:vml" xmlns="">
       <p:transition spd="slow">
         <p:fade/>
       </p:transition>
@@ -3905,7 +3905,7 @@
         <p:fade/>
       </p:transition>
     </mc:Choice>
-    <mc:Fallback xmlns="" xmlns:mv="urn:schemas-microsoft-com:mac:vml" xmlns:c="http://schemas.openxmlformats.org/drawingml/2006/chart" xmlns:dgm="http://schemas.openxmlformats.org/drawingml/2006/diagram" xmlns:o="urn:schemas-microsoft-com:office:office" xmlns:v="urn:schemas-microsoft-com:vml" xmlns:pvml="urn:schemas-microsoft-com:office:powerpoint" xmlns:com="http://schemas.openxmlformats.org/drawingml/2006/compatibility" xmlns:p15="http://schemas.microsoft.com/office/powerpoint/2012/main" xmlns:ahyp="http://schemas.microsoft.com/office/drawing/2018/hyperlinkcolor">
+    <mc:Fallback xmlns:ahyp="http://schemas.microsoft.com/office/drawing/2018/hyperlinkcolor" xmlns:p15="http://schemas.microsoft.com/office/powerpoint/2012/main" xmlns:com="http://schemas.openxmlformats.org/drawingml/2006/compatibility" xmlns:pvml="urn:schemas-microsoft-com:office:powerpoint" xmlns:v="urn:schemas-microsoft-com:vml" xmlns:o="urn:schemas-microsoft-com:office:office" xmlns:dgm="http://schemas.openxmlformats.org/drawingml/2006/diagram" xmlns:c="http://schemas.openxmlformats.org/drawingml/2006/chart" xmlns:mv="urn:schemas-microsoft-com:mac:vml" xmlns="">
       <p:transition spd="slow">
         <p:fade/>
       </p:transition>
@@ -3942,7 +3942,7 @@
         <p:fade/>
       </p:transition>
     </mc:Choice>
-    <mc:Fallback xmlns="" xmlns:mv="urn:schemas-microsoft-com:mac:vml" xmlns:c="http://schemas.openxmlformats.org/drawingml/2006/chart" xmlns:dgm="http://schemas.openxmlformats.org/drawingml/2006/diagram" xmlns:o="urn:schemas-microsoft-com:office:office" xmlns:v="urn:schemas-microsoft-com:vml" xmlns:pvml="urn:schemas-microsoft-com:office:powerpoint" xmlns:com="http://schemas.openxmlformats.org/drawingml/2006/compatibility" xmlns:p15="http://schemas.microsoft.com/office/powerpoint/2012/main" xmlns:ahyp="http://schemas.microsoft.com/office/drawing/2018/hyperlinkcolor">
+    <mc:Fallback xmlns:ahyp="http://schemas.microsoft.com/office/drawing/2018/hyperlinkcolor" xmlns:p15="http://schemas.microsoft.com/office/powerpoint/2012/main" xmlns:com="http://schemas.openxmlformats.org/drawingml/2006/compatibility" xmlns:pvml="urn:schemas-microsoft-com:office:powerpoint" xmlns:v="urn:schemas-microsoft-com:vml" xmlns:o="urn:schemas-microsoft-com:office:office" xmlns:dgm="http://schemas.openxmlformats.org/drawingml/2006/diagram" xmlns:c="http://schemas.openxmlformats.org/drawingml/2006/chart" xmlns:mv="urn:schemas-microsoft-com:mac:vml" xmlns="">
       <p:transition spd="slow">
         <p:fade/>
       </p:transition>
@@ -3979,7 +3979,7 @@
         <p:fade/>
       </p:transition>
     </mc:Choice>
-    <mc:Fallback xmlns="" xmlns:mv="urn:schemas-microsoft-com:mac:vml" xmlns:c="http://schemas.openxmlformats.org/drawingml/2006/chart" xmlns:dgm="http://schemas.openxmlformats.org/drawingml/2006/diagram" xmlns:o="urn:schemas-microsoft-com:office:office" xmlns:v="urn:schemas-microsoft-com:vml" xmlns:pvml="urn:schemas-microsoft-com:office:powerpoint" xmlns:com="http://schemas.openxmlformats.org/drawingml/2006/compatibility" xmlns:p15="http://schemas.microsoft.com/office/powerpoint/2012/main" xmlns:ahyp="http://schemas.microsoft.com/office/drawing/2018/hyperlinkcolor">
+    <mc:Fallback xmlns:ahyp="http://schemas.microsoft.com/office/drawing/2018/hyperlinkcolor" xmlns:p15="http://schemas.microsoft.com/office/powerpoint/2012/main" xmlns:com="http://schemas.openxmlformats.org/drawingml/2006/compatibility" xmlns:pvml="urn:schemas-microsoft-com:office:powerpoint" xmlns:v="urn:schemas-microsoft-com:vml" xmlns:o="urn:schemas-microsoft-com:office:office" xmlns:dgm="http://schemas.openxmlformats.org/drawingml/2006/diagram" xmlns:c="http://schemas.openxmlformats.org/drawingml/2006/chart" xmlns:mv="urn:schemas-microsoft-com:mac:vml" xmlns="">
       <p:transition spd="slow">
         <p:fade/>
       </p:transition>
@@ -4469,7 +4469,7 @@
               <a:rPr lang="en"/>
               <a:t>‹#›</a:t>
             </a:fld>
-            <a:endParaRPr sz="1100">
+            <a:endParaRPr sz="1100" dirty="0">
               <a:latin typeface="Arial"/>
               <a:ea typeface="Arial"/>
               <a:cs typeface="Arial"/>
@@ -4871,7 +4871,7 @@
               <a:rPr lang="en"/>
               <a:t>‹#›</a:t>
             </a:fld>
-            <a:endParaRPr/>
+            <a:endParaRPr dirty="0"/>
           </a:p>
         </p:txBody>
       </p:sp>
@@ -5632,7 +5632,7 @@
               <a:rPr lang="en"/>
               <a:t>‹#›</a:t>
             </a:fld>
-            <a:endParaRPr sz="1100">
+            <a:endParaRPr sz="1100" dirty="0">
               <a:latin typeface="Arial"/>
               <a:ea typeface="Arial"/>
               <a:cs typeface="Arial"/>
@@ -6398,7 +6398,7 @@
               <a:rPr lang="en"/>
               <a:t>‹#›</a:t>
             </a:fld>
-            <a:endParaRPr sz="1100">
+            <a:endParaRPr sz="1100" dirty="0">
               <a:latin typeface="Arial"/>
               <a:ea typeface="Arial"/>
               <a:cs typeface="Arial"/>
@@ -7164,7 +7164,7 @@
               <a:rPr lang="en"/>
               <a:t>‹#›</a:t>
             </a:fld>
-            <a:endParaRPr sz="1100">
+            <a:endParaRPr sz="1100" dirty="0">
               <a:latin typeface="Arial"/>
               <a:ea typeface="Arial"/>
               <a:cs typeface="Arial"/>
@@ -7903,7 +7903,7 @@
               <a:rPr lang="en"/>
               <a:t>‹#›</a:t>
             </a:fld>
-            <a:endParaRPr/>
+            <a:endParaRPr dirty="0"/>
           </a:p>
         </p:txBody>
       </p:sp>
@@ -7943,7 +7943,7 @@
         <p:fade/>
       </p:transition>
     </mc:Choice>
-    <mc:Fallback xmlns="" xmlns:mv="urn:schemas-microsoft-com:mac:vml" xmlns:c="http://schemas.openxmlformats.org/drawingml/2006/chart" xmlns:dgm="http://schemas.openxmlformats.org/drawingml/2006/diagram" xmlns:o="urn:schemas-microsoft-com:office:office" xmlns:v="urn:schemas-microsoft-com:vml" xmlns:pvml="urn:schemas-microsoft-com:office:powerpoint" xmlns:com="http://schemas.openxmlformats.org/drawingml/2006/compatibility" xmlns:p15="http://schemas.microsoft.com/office/powerpoint/2012/main" xmlns:ahyp="http://schemas.microsoft.com/office/drawing/2018/hyperlinkcolor">
+    <mc:Fallback xmlns:ahyp="http://schemas.microsoft.com/office/drawing/2018/hyperlinkcolor" xmlns:p15="http://schemas.microsoft.com/office/powerpoint/2012/main" xmlns:com="http://schemas.openxmlformats.org/drawingml/2006/compatibility" xmlns:pvml="urn:schemas-microsoft-com:office:powerpoint" xmlns:v="urn:schemas-microsoft-com:vml" xmlns:o="urn:schemas-microsoft-com:office:office" xmlns:dgm="http://schemas.openxmlformats.org/drawingml/2006/diagram" xmlns:c="http://schemas.openxmlformats.org/drawingml/2006/chart" xmlns:mv="urn:schemas-microsoft-com:mac:vml" xmlns="">
       <p:transition spd="slow">
         <p:fade/>
       </p:transition>
@@ -7980,7 +7980,7 @@
         <p:fade/>
       </p:transition>
     </mc:Choice>
-    <mc:Fallback xmlns="" xmlns:mv="urn:schemas-microsoft-com:mac:vml" xmlns:c="http://schemas.openxmlformats.org/drawingml/2006/chart" xmlns:dgm="http://schemas.openxmlformats.org/drawingml/2006/diagram" xmlns:o="urn:schemas-microsoft-com:office:office" xmlns:v="urn:schemas-microsoft-com:vml" xmlns:pvml="urn:schemas-microsoft-com:office:powerpoint" xmlns:com="http://schemas.openxmlformats.org/drawingml/2006/compatibility" xmlns:p15="http://schemas.microsoft.com/office/powerpoint/2012/main" xmlns:ahyp="http://schemas.microsoft.com/office/drawing/2018/hyperlinkcolor">
+    <mc:Fallback xmlns:ahyp="http://schemas.microsoft.com/office/drawing/2018/hyperlinkcolor" xmlns:p15="http://schemas.microsoft.com/office/powerpoint/2012/main" xmlns:com="http://schemas.openxmlformats.org/drawingml/2006/compatibility" xmlns:pvml="urn:schemas-microsoft-com:office:powerpoint" xmlns:v="urn:schemas-microsoft-com:vml" xmlns:o="urn:schemas-microsoft-com:office:office" xmlns:dgm="http://schemas.openxmlformats.org/drawingml/2006/diagram" xmlns:c="http://schemas.openxmlformats.org/drawingml/2006/chart" xmlns:mv="urn:schemas-microsoft-com:mac:vml" xmlns="">
       <p:transition spd="slow">
         <p:fade/>
       </p:transition>
@@ -8017,7 +8017,7 @@
         <p:fade/>
       </p:transition>
     </mc:Choice>
-    <mc:Fallback xmlns="" xmlns:mv="urn:schemas-microsoft-com:mac:vml" xmlns:c="http://schemas.openxmlformats.org/drawingml/2006/chart" xmlns:dgm="http://schemas.openxmlformats.org/drawingml/2006/diagram" xmlns:o="urn:schemas-microsoft-com:office:office" xmlns:v="urn:schemas-microsoft-com:vml" xmlns:pvml="urn:schemas-microsoft-com:office:powerpoint" xmlns:com="http://schemas.openxmlformats.org/drawingml/2006/compatibility" xmlns:p15="http://schemas.microsoft.com/office/powerpoint/2012/main" xmlns:ahyp="http://schemas.microsoft.com/office/drawing/2018/hyperlinkcolor">
+    <mc:Fallback xmlns:ahyp="http://schemas.microsoft.com/office/drawing/2018/hyperlinkcolor" xmlns:p15="http://schemas.microsoft.com/office/powerpoint/2012/main" xmlns:com="http://schemas.openxmlformats.org/drawingml/2006/compatibility" xmlns:pvml="urn:schemas-microsoft-com:office:powerpoint" xmlns:v="urn:schemas-microsoft-com:vml" xmlns:o="urn:schemas-microsoft-com:office:office" xmlns:dgm="http://schemas.openxmlformats.org/drawingml/2006/diagram" xmlns:c="http://schemas.openxmlformats.org/drawingml/2006/chart" xmlns:mv="urn:schemas-microsoft-com:mac:vml" xmlns="">
       <p:transition spd="slow">
         <p:fade/>
       </p:transition>
@@ -8054,7 +8054,7 @@
         <p:fade/>
       </p:transition>
     </mc:Choice>
-    <mc:Fallback xmlns="" xmlns:mv="urn:schemas-microsoft-com:mac:vml" xmlns:c="http://schemas.openxmlformats.org/drawingml/2006/chart" xmlns:dgm="http://schemas.openxmlformats.org/drawingml/2006/diagram" xmlns:o="urn:schemas-microsoft-com:office:office" xmlns:v="urn:schemas-microsoft-com:vml" xmlns:pvml="urn:schemas-microsoft-com:office:powerpoint" xmlns:com="http://schemas.openxmlformats.org/drawingml/2006/compatibility" xmlns:p15="http://schemas.microsoft.com/office/powerpoint/2012/main" xmlns:ahyp="http://schemas.microsoft.com/office/drawing/2018/hyperlinkcolor">
+    <mc:Fallback xmlns:ahyp="http://schemas.microsoft.com/office/drawing/2018/hyperlinkcolor" xmlns:p15="http://schemas.microsoft.com/office/powerpoint/2012/main" xmlns:com="http://schemas.openxmlformats.org/drawingml/2006/compatibility" xmlns:pvml="urn:schemas-microsoft-com:office:powerpoint" xmlns:v="urn:schemas-microsoft-com:vml" xmlns:o="urn:schemas-microsoft-com:office:office" xmlns:dgm="http://schemas.openxmlformats.org/drawingml/2006/diagram" xmlns:c="http://schemas.openxmlformats.org/drawingml/2006/chart" xmlns:mv="urn:schemas-microsoft-com:mac:vml" xmlns="">
       <p:transition spd="slow">
         <p:fade/>
       </p:transition>
@@ -8091,7 +8091,7 @@
         <p:fade/>
       </p:transition>
     </mc:Choice>
-    <mc:Fallback xmlns="" xmlns:mv="urn:schemas-microsoft-com:mac:vml" xmlns:c="http://schemas.openxmlformats.org/drawingml/2006/chart" xmlns:dgm="http://schemas.openxmlformats.org/drawingml/2006/diagram" xmlns:o="urn:schemas-microsoft-com:office:office" xmlns:v="urn:schemas-microsoft-com:vml" xmlns:pvml="urn:schemas-microsoft-com:office:powerpoint" xmlns:com="http://schemas.openxmlformats.org/drawingml/2006/compatibility" xmlns:p15="http://schemas.microsoft.com/office/powerpoint/2012/main" xmlns:ahyp="http://schemas.microsoft.com/office/drawing/2018/hyperlinkcolor">
+    <mc:Fallback xmlns:ahyp="http://schemas.microsoft.com/office/drawing/2018/hyperlinkcolor" xmlns:p15="http://schemas.microsoft.com/office/powerpoint/2012/main" xmlns:com="http://schemas.openxmlformats.org/drawingml/2006/compatibility" xmlns:pvml="urn:schemas-microsoft-com:office:powerpoint" xmlns:v="urn:schemas-microsoft-com:vml" xmlns:o="urn:schemas-microsoft-com:office:office" xmlns:dgm="http://schemas.openxmlformats.org/drawingml/2006/diagram" xmlns:c="http://schemas.openxmlformats.org/drawingml/2006/chart" xmlns:mv="urn:schemas-microsoft-com:mac:vml" xmlns="">
       <p:transition spd="slow">
         <p:fade/>
       </p:transition>
@@ -8128,7 +8128,7 @@
         <p:fade/>
       </p:transition>
     </mc:Choice>
-    <mc:Fallback xmlns="" xmlns:mv="urn:schemas-microsoft-com:mac:vml" xmlns:c="http://schemas.openxmlformats.org/drawingml/2006/chart" xmlns:dgm="http://schemas.openxmlformats.org/drawingml/2006/diagram" xmlns:o="urn:schemas-microsoft-com:office:office" xmlns:v="urn:schemas-microsoft-com:vml" xmlns:pvml="urn:schemas-microsoft-com:office:powerpoint" xmlns:com="http://schemas.openxmlformats.org/drawingml/2006/compatibility" xmlns:p15="http://schemas.microsoft.com/office/powerpoint/2012/main" xmlns:ahyp="http://schemas.microsoft.com/office/drawing/2018/hyperlinkcolor">
+    <mc:Fallback xmlns:ahyp="http://schemas.microsoft.com/office/drawing/2018/hyperlinkcolor" xmlns:p15="http://schemas.microsoft.com/office/powerpoint/2012/main" xmlns:com="http://schemas.openxmlformats.org/drawingml/2006/compatibility" xmlns:pvml="urn:schemas-microsoft-com:office:powerpoint" xmlns:v="urn:schemas-microsoft-com:vml" xmlns:o="urn:schemas-microsoft-com:office:office" xmlns:dgm="http://schemas.openxmlformats.org/drawingml/2006/diagram" xmlns:c="http://schemas.openxmlformats.org/drawingml/2006/chart" xmlns:mv="urn:schemas-microsoft-com:mac:vml" xmlns="">
       <p:transition spd="slow">
         <p:fade/>
       </p:transition>
@@ -8206,7 +8206,7 @@
               <a:buFont typeface="Arial"/>
               <a:buNone/>
             </a:pPr>
-            <a:endParaRPr sz="1400" b="0" i="0" u="none" strike="noStrike" cap="none">
+            <a:endParaRPr sz="1400" b="0" i="0" u="none" strike="noStrike" cap="none" dirty="0">
               <a:solidFill>
                 <a:schemeClr val="lt1"/>
               </a:solidFill>
@@ -8262,7 +8262,7 @@
               <a:buFont typeface="Arial"/>
               <a:buNone/>
             </a:pPr>
-            <a:endParaRPr sz="1400" b="0" i="0" u="none" strike="noStrike" cap="none">
+            <a:endParaRPr sz="1400" b="0" i="0" u="none" strike="noStrike" cap="none" dirty="0">
               <a:solidFill>
                 <a:schemeClr val="lt1"/>
               </a:solidFill>
@@ -8596,7 +8596,7 @@
               </a:rPr>
               <a:t>Coding Dojo</a:t>
             </a:r>
-            <a:endParaRPr sz="1200" b="1" i="0" u="none" strike="noStrike" cap="none">
+            <a:endParaRPr sz="1200" b="1" i="0" u="none" strike="noStrike" cap="none" dirty="0">
               <a:solidFill>
                 <a:srgbClr val="D8D8D8"/>
               </a:solidFill>
@@ -8662,7 +8662,7 @@
               </a:rPr>
               <a:t>‹#›</a:t>
             </a:fld>
-            <a:endParaRPr sz="800" b="1" i="0" u="none" strike="noStrike" cap="none">
+            <a:endParaRPr sz="800" b="1" i="0" u="none" strike="noStrike" cap="none" dirty="0">
               <a:solidFill>
                 <a:schemeClr val="lt1"/>
               </a:solidFill>
@@ -8730,7 +8730,7 @@
         <p:fade/>
       </p:transition>
     </mc:Choice>
-    <mc:Fallback xmlns="" xmlns:mv="urn:schemas-microsoft-com:mac:vml" xmlns:c="http://schemas.openxmlformats.org/drawingml/2006/chart" xmlns:dgm="http://schemas.openxmlformats.org/drawingml/2006/diagram" xmlns:o="urn:schemas-microsoft-com:office:office" xmlns:v="urn:schemas-microsoft-com:vml" xmlns:pvml="urn:schemas-microsoft-com:office:powerpoint" xmlns:com="http://schemas.openxmlformats.org/drawingml/2006/compatibility" xmlns:p15="http://schemas.microsoft.com/office/powerpoint/2012/main" xmlns:ahyp="http://schemas.microsoft.com/office/drawing/2018/hyperlinkcolor">
+    <mc:Fallback xmlns:ahyp="http://schemas.microsoft.com/office/drawing/2018/hyperlinkcolor" xmlns:p15="http://schemas.microsoft.com/office/powerpoint/2012/main" xmlns:com="http://schemas.openxmlformats.org/drawingml/2006/compatibility" xmlns:pvml="urn:schemas-microsoft-com:office:powerpoint" xmlns:v="urn:schemas-microsoft-com:vml" xmlns:o="urn:schemas-microsoft-com:office:office" xmlns:dgm="http://schemas.openxmlformats.org/drawingml/2006/diagram" xmlns:c="http://schemas.openxmlformats.org/drawingml/2006/chart" xmlns:mv="urn:schemas-microsoft-com:mac:vml" xmlns="">
       <p:transition spd="slow">
         <p:fade/>
       </p:transition>
@@ -9510,7 +9510,7 @@
               </a:rPr>
               <a:t>Image Source</a:t>
             </a:r>
-            <a:endParaRPr/>
+            <a:endParaRPr dirty="0"/>
           </a:p>
         </p:txBody>
       </p:sp>
@@ -9601,10 +9601,10 @@
               <a:buNone/>
             </a:pPr>
             <a:r>
-              <a:rPr lang="en"/>
+              <a:rPr lang="en" dirty="0"/>
               <a:t>Binning: What it does</a:t>
             </a:r>
-            <a:endParaRPr/>
+            <a:endParaRPr dirty="0"/>
           </a:p>
         </p:txBody>
       </p:sp>
@@ -9644,10 +9644,10 @@
               <a:buChar char="●"/>
             </a:pPr>
             <a:r>
-              <a:rPr lang="en"/>
+              <a:rPr lang="en" dirty="0"/>
               <a:t>Combines numeric ranges or groups of categories into or bins or combination categories</a:t>
             </a:r>
-            <a:endParaRPr/>
+            <a:endParaRPr dirty="0"/>
           </a:p>
           <a:p>
             <a:pPr marL="914400" lvl="1" indent="-317500" algn="l" rtl="0">
@@ -9661,10 +9661,10 @@
               <a:buChar char="○"/>
             </a:pPr>
             <a:r>
-              <a:rPr lang="en"/>
+              <a:rPr lang="en" dirty="0"/>
               <a:t>Think histograms</a:t>
             </a:r>
-            <a:endParaRPr/>
+            <a:endParaRPr dirty="0"/>
           </a:p>
           <a:p>
             <a:pPr marL="0" lvl="0" indent="0" algn="l" rtl="0">
@@ -9676,7 +9676,7 @@
               </a:spcAft>
               <a:buNone/>
             </a:pPr>
-            <a:endParaRPr/>
+            <a:endParaRPr dirty="0"/>
           </a:p>
           <a:p>
             <a:pPr marL="0" lvl="0" indent="0" algn="l" rtl="0">
@@ -9688,7 +9688,7 @@
               </a:spcAft>
               <a:buNone/>
             </a:pPr>
-            <a:endParaRPr/>
+            <a:endParaRPr dirty="0"/>
           </a:p>
           <a:p>
             <a:pPr marL="0" lvl="0" indent="0" algn="l" rtl="0">
@@ -9701,10 +9701,10 @@
               <a:buNone/>
             </a:pPr>
             <a:r>
-              <a:rPr lang="en"/>
+              <a:rPr lang="en" dirty="0"/>
               <a:t>Uses:</a:t>
             </a:r>
-            <a:endParaRPr/>
+            <a:endParaRPr dirty="0"/>
           </a:p>
           <a:p>
             <a:pPr marL="457200" lvl="0" indent="-317500" algn="l" rtl="0">
@@ -9718,13 +9718,13 @@
               <a:buChar char="●"/>
             </a:pPr>
             <a:r>
-              <a:rPr lang="en"/>
+              <a:rPr lang="en" dirty="0"/>
               <a:t>Change regression to classification, which may be easier to model</a:t>
             </a:r>
             <a:br>
-              <a:rPr lang="en"/>
+              <a:rPr lang="en" dirty="0"/>
             </a:br>
-            <a:endParaRPr/>
+            <a:endParaRPr dirty="0"/>
           </a:p>
           <a:p>
             <a:pPr marL="457200" lvl="0" indent="-317500" algn="l" rtl="0">
@@ -9738,13 +9738,13 @@
               <a:buChar char="●"/>
             </a:pPr>
             <a:r>
-              <a:rPr lang="en"/>
+              <a:rPr lang="en" dirty="0"/>
               <a:t>Change multiclass classification to binary classification, which may be easier to model</a:t>
             </a:r>
             <a:br>
-              <a:rPr lang="en"/>
+              <a:rPr lang="en" dirty="0"/>
             </a:br>
-            <a:endParaRPr/>
+            <a:endParaRPr dirty="0"/>
           </a:p>
           <a:p>
             <a:pPr marL="457200" lvl="0" indent="-317500" algn="l" rtl="0">
@@ -9758,10 +9758,10 @@
               <a:buChar char="●"/>
             </a:pPr>
             <a:r>
-              <a:rPr lang="en"/>
+              <a:rPr lang="en" dirty="0"/>
               <a:t>Reduce cardinality of features</a:t>
             </a:r>
-            <a:endParaRPr/>
+            <a:endParaRPr dirty="0"/>
           </a:p>
         </p:txBody>
       </p:sp>
@@ -9856,7 +9856,7 @@
               <a:rPr lang="en"/>
               <a:t>Binning: What it does</a:t>
             </a:r>
-            <a:endParaRPr/>
+            <a:endParaRPr dirty="0"/>
           </a:p>
         </p:txBody>
       </p:sp>
@@ -9904,10 +9904,10 @@
               <a:buNone/>
             </a:pPr>
             <a:r>
-              <a:rPr lang="en" sz="1600" b="1" u="sng"/>
+              <a:rPr lang="en" sz="1600" b="1" u="sng" dirty="0"/>
               <a:t>Use .apply() to transform features (or targets!)</a:t>
             </a:r>
-            <a:endParaRPr sz="1600" b="1" u="sng"/>
+            <a:endParaRPr sz="1600" b="1" u="sng" dirty="0"/>
           </a:p>
           <a:p>
             <a:pPr marL="0" lvl="0" indent="0" algn="l" rtl="0">
@@ -9920,7 +9920,7 @@
               <a:buNone/>
             </a:pPr>
             <a:br>
-              <a:rPr lang="en">
+              <a:rPr lang="en" dirty="0">
                 <a:solidFill>
                   <a:schemeClr val="lt1"/>
                 </a:solidFill>
@@ -9929,7 +9929,7 @@
                 </a:highlight>
               </a:rPr>
             </a:br>
-            <a:endParaRPr>
+            <a:endParaRPr dirty="0">
               <a:solidFill>
                 <a:schemeClr val="lt1"/>
               </a:solidFill>
@@ -9949,22 +9949,22 @@
               <a:buNone/>
             </a:pPr>
             <a:r>
-              <a:rPr lang="en">
+              <a:rPr lang="en" dirty="0">
                 <a:solidFill>
-                  <a:schemeClr val="lt1"/>
+                  <a:schemeClr val="tx1"/>
                 </a:solidFill>
                 <a:highlight>
-                  <a:srgbClr val="000000"/>
+                  <a:srgbClr val="C0C0C0"/>
                 </a:highlight>
               </a:rPr>
               <a:t>df[‘is_mammal’] = df[‘animal’].apply(lambda x: 1 if x in [‘dog’, ‘cat’, ‘horse’] else 0)</a:t>
             </a:r>
-            <a:endParaRPr>
+            <a:endParaRPr dirty="0">
               <a:solidFill>
-                <a:schemeClr val="lt1"/>
+                <a:schemeClr val="tx1"/>
               </a:solidFill>
               <a:highlight>
-                <a:srgbClr val="000000"/>
+                <a:srgbClr val="C0C0C0"/>
               </a:highlight>
             </a:endParaRPr>
           </a:p>
@@ -9978,7 +9978,7 @@
               </a:spcAft>
               <a:buNone/>
             </a:pPr>
-            <a:endParaRPr/>
+            <a:endParaRPr dirty="0"/>
           </a:p>
         </p:txBody>
       </p:sp>
@@ -10166,7 +10166,7 @@
               </a:spcAft>
               <a:buNone/>
             </a:pPr>
-            <a:endParaRPr/>
+            <a:endParaRPr dirty="0"/>
           </a:p>
         </p:txBody>
       </p:sp>
@@ -10208,7 +10208,7 @@
               <a:rPr lang="en"/>
               <a:t>Mammal (1)</a:t>
             </a:r>
-            <a:endParaRPr/>
+            <a:endParaRPr dirty="0"/>
           </a:p>
         </p:txBody>
       </p:sp>
@@ -10256,7 +10256,7 @@
               </a:spcAft>
               <a:buNone/>
             </a:pPr>
-            <a:endParaRPr/>
+            <a:endParaRPr dirty="0"/>
           </a:p>
         </p:txBody>
       </p:sp>
@@ -10298,7 +10298,7 @@
               <a:rPr lang="en"/>
               <a:t>Non-mammal (0)</a:t>
             </a:r>
-            <a:endParaRPr/>
+            <a:endParaRPr dirty="0"/>
           </a:p>
         </p:txBody>
       </p:sp>
@@ -10368,7 +10368,7 @@
               <a:rPr lang="en" sz="1200"/>
               <a:t>Old Categories</a:t>
             </a:r>
-            <a:endParaRPr sz="1200"/>
+            <a:endParaRPr sz="1200" dirty="0"/>
           </a:p>
         </p:txBody>
       </p:sp>
@@ -10410,7 +10410,7 @@
               <a:rPr lang="en" sz="1100"/>
               <a:t>New Categories</a:t>
             </a:r>
-            <a:endParaRPr sz="1100"/>
+            <a:endParaRPr sz="1100" dirty="0"/>
           </a:p>
         </p:txBody>
       </p:sp>
@@ -10531,7 +10531,7 @@
               <a:rPr lang="en"/>
               <a:t>Binning: What it does</a:t>
             </a:r>
-            <a:endParaRPr/>
+            <a:endParaRPr dirty="0"/>
           </a:p>
         </p:txBody>
       </p:sp>
@@ -10579,10 +10579,10 @@
               <a:buNone/>
             </a:pPr>
             <a:r>
-              <a:rPr lang="en" sz="1600" b="1" u="sng"/>
+              <a:rPr lang="en" sz="1600" b="1" u="sng" dirty="0"/>
               <a:t>Use .apply() to transform features (or targets!)</a:t>
             </a:r>
-            <a:endParaRPr sz="1600" b="1" u="sng"/>
+            <a:endParaRPr sz="1600" b="1" u="sng" dirty="0"/>
           </a:p>
           <a:p>
             <a:pPr marL="0" lvl="0" indent="0" algn="l" rtl="0">
@@ -10594,7 +10594,7 @@
               </a:spcAft>
               <a:buNone/>
             </a:pPr>
-            <a:endParaRPr/>
+            <a:endParaRPr dirty="0"/>
           </a:p>
           <a:p>
             <a:pPr marL="914400" lvl="0" indent="0" algn="l" rtl="0">
@@ -10607,18 +10607,18 @@
               <a:buNone/>
             </a:pPr>
             <a:r>
-              <a:rPr lang="en">
+              <a:rPr lang="en" dirty="0">
                 <a:solidFill>
-                  <a:schemeClr val="lt1"/>
+                  <a:schemeClr val="tx1"/>
                 </a:solidFill>
                 <a:highlight>
-                  <a:srgbClr val="000000"/>
+                  <a:srgbClr val="C0C0C0"/>
                 </a:highlight>
               </a:rPr>
               <a:t>df[‘is_tall’] = df[‘height’].apply(lambda x: 1 if x &gt; 72 else 0)</a:t>
             </a:r>
             <a:br>
-              <a:rPr lang="en">
+              <a:rPr lang="en" dirty="0">
                 <a:solidFill>
                   <a:schemeClr val="lt1"/>
                 </a:solidFill>
@@ -10627,7 +10627,7 @@
                 </a:highlight>
               </a:rPr>
             </a:br>
-            <a:endParaRPr/>
+            <a:endParaRPr dirty="0"/>
           </a:p>
         </p:txBody>
       </p:sp>
@@ -10675,7 +10675,7 @@
               </a:spcAft>
               <a:buNone/>
             </a:pPr>
-            <a:endParaRPr/>
+            <a:endParaRPr dirty="0"/>
           </a:p>
         </p:txBody>
       </p:sp>
@@ -10717,7 +10717,7 @@
               <a:rPr lang="en"/>
               <a:t>Tall (1)</a:t>
             </a:r>
-            <a:endParaRPr/>
+            <a:endParaRPr dirty="0"/>
           </a:p>
         </p:txBody>
       </p:sp>
@@ -10765,7 +10765,7 @@
               </a:spcAft>
               <a:buNone/>
             </a:pPr>
-            <a:endParaRPr/>
+            <a:endParaRPr dirty="0"/>
           </a:p>
         </p:txBody>
       </p:sp>
@@ -10807,7 +10807,7 @@
               <a:rPr lang="en"/>
               <a:t>Non-tall (0)</a:t>
             </a:r>
-            <a:endParaRPr/>
+            <a:endParaRPr dirty="0"/>
           </a:p>
         </p:txBody>
       </p:sp>
@@ -10849,7 +10849,7 @@
               <a:rPr lang="en" sz="1100"/>
               <a:t>New Categories</a:t>
             </a:r>
-            <a:endParaRPr sz="1100"/>
+            <a:endParaRPr sz="1100" dirty="0"/>
           </a:p>
         </p:txBody>
       </p:sp>
@@ -11057,7 +11057,7 @@
               <a:rPr lang="en" sz="1100"/>
               <a:t>80</a:t>
             </a:r>
-            <a:endParaRPr sz="1100"/>
+            <a:endParaRPr sz="1100" dirty="0"/>
           </a:p>
         </p:txBody>
       </p:sp>
@@ -11099,7 +11099,7 @@
               <a:rPr lang="en" sz="1100"/>
               <a:t>77</a:t>
             </a:r>
-            <a:endParaRPr sz="1100"/>
+            <a:endParaRPr sz="1100" dirty="0"/>
           </a:p>
         </p:txBody>
       </p:sp>
@@ -11141,7 +11141,7 @@
               <a:rPr lang="en" sz="1000"/>
               <a:t>62</a:t>
             </a:r>
-            <a:endParaRPr sz="1000"/>
+            <a:endParaRPr sz="1000" dirty="0"/>
           </a:p>
         </p:txBody>
       </p:sp>
@@ -11183,7 +11183,7 @@
               <a:rPr lang="en" sz="1000"/>
               <a:t>9</a:t>
             </a:r>
-            <a:endParaRPr sz="1000"/>
+            <a:endParaRPr sz="1000" dirty="0"/>
           </a:p>
         </p:txBody>
       </p:sp>
@@ -11225,7 +11225,7 @@
               <a:rPr lang="en" sz="1000"/>
               <a:t>70</a:t>
             </a:r>
-            <a:endParaRPr sz="1000"/>
+            <a:endParaRPr sz="1000" dirty="0"/>
           </a:p>
         </p:txBody>
       </p:sp>
@@ -11292,7 +11292,7 @@
               <a:rPr lang="en"/>
               <a:t>PolynomialFeatures: What it does</a:t>
             </a:r>
-            <a:endParaRPr/>
+            <a:endParaRPr dirty="0"/>
           </a:p>
         </p:txBody>
       </p:sp>
@@ -11347,7 +11347,7 @@
             <a:br>
               <a:rPr lang="en" sz="1800"/>
             </a:br>
-            <a:endParaRPr sz="1800"/>
+            <a:endParaRPr sz="1800" dirty="0"/>
           </a:p>
           <a:p>
             <a:pPr marL="457200" lvl="0" indent="-342900" algn="l" rtl="0">
@@ -11364,7 +11364,7 @@
               <a:rPr lang="en" sz="1800"/>
               <a:t>Products and powers of original features</a:t>
             </a:r>
-            <a:endParaRPr sz="1800"/>
+            <a:endParaRPr sz="1800" dirty="0"/>
           </a:p>
         </p:txBody>
       </p:sp>
@@ -11459,7 +11459,7 @@
               <a:rPr lang="en"/>
               <a:t>PolynomialFeatures: What it does</a:t>
             </a:r>
-            <a:endParaRPr/>
+            <a:endParaRPr dirty="0"/>
           </a:p>
         </p:txBody>
       </p:sp>
@@ -11510,7 +11510,7 @@
               <a:rPr lang="en" sz="1800" b="1"/>
               <a:t>Pros:</a:t>
             </a:r>
-            <a:endParaRPr sz="1800"/>
+            <a:endParaRPr sz="1800" dirty="0"/>
           </a:p>
           <a:p>
             <a:pPr marL="457200" lvl="0" indent="-342900" algn="l" rtl="0">
@@ -11527,7 +11527,7 @@
               <a:rPr lang="en" sz="1800"/>
               <a:t>Makes linear features non-linear</a:t>
             </a:r>
-            <a:endParaRPr sz="1800" b="1"/>
+            <a:endParaRPr sz="1800" b="1" dirty="0"/>
           </a:p>
           <a:p>
             <a:pPr marL="457200" lvl="0" indent="-342900" algn="l" rtl="0">
@@ -11544,7 +11544,7 @@
               <a:rPr lang="en" sz="1800"/>
               <a:t>Improves the power of linear models</a:t>
             </a:r>
-            <a:endParaRPr sz="1800"/>
+            <a:endParaRPr sz="1800" dirty="0"/>
           </a:p>
           <a:p>
             <a:pPr marL="457200" lvl="0" indent="-342900" algn="l" rtl="0">
@@ -11571,7 +11571,7 @@
               <a:rPr lang="en" sz="1800" b="1"/>
               <a:t>Cons</a:t>
             </a:r>
-            <a:endParaRPr sz="1800" b="1"/>
+            <a:endParaRPr sz="1800" b="1" dirty="0"/>
           </a:p>
           <a:p>
             <a:pPr marL="457200" lvl="0" indent="-342900" algn="l" rtl="0">
@@ -11588,7 +11588,7 @@
               <a:rPr lang="en" sz="1800"/>
               <a:t>Increased model complexity with more features</a:t>
             </a:r>
-            <a:endParaRPr sz="1800"/>
+            <a:endParaRPr sz="1800" dirty="0"/>
           </a:p>
           <a:p>
             <a:pPr marL="457200" lvl="0" indent="-342900" algn="l" rtl="0">
@@ -11605,7 +11605,7 @@
               <a:rPr lang="en" sz="1800"/>
               <a:t>Higher degrees can create overfitting</a:t>
             </a:r>
-            <a:endParaRPr sz="1800"/>
+            <a:endParaRPr sz="1800" dirty="0"/>
           </a:p>
         </p:txBody>
       </p:sp>
@@ -11700,7 +11700,7 @@
               <a:rPr lang="en"/>
               <a:t>Feature Engineering Poll</a:t>
             </a:r>
-            <a:endParaRPr/>
+            <a:endParaRPr dirty="0"/>
           </a:p>
         </p:txBody>
       </p:sp>
@@ -11902,23 +11902,7 @@
                   <a:schemeClr val="tx1"/>
                 </a:solidFill>
               </a:rPr>
-              <a:t>You can use the link at the top to open the notebook in </a:t>
-            </a:r>
-            <a:r>
-              <a:rPr lang="en-US" sz="2100" dirty="0" err="1">
-                <a:solidFill>
-                  <a:schemeClr val="tx1"/>
-                </a:solidFill>
-              </a:rPr>
-              <a:t>Colab</a:t>
-            </a:r>
-            <a:r>
-              <a:rPr lang="en-US" sz="2100" dirty="0">
-                <a:solidFill>
-                  <a:schemeClr val="tx1"/>
-                </a:solidFill>
-              </a:rPr>
-              <a:t> if desired</a:t>
+              <a:t>You can use the link at the top to open the notebook in Colab if desired</a:t>
             </a:r>
           </a:p>
         </p:txBody>
@@ -11986,7 +11970,7 @@
               <a:rPr lang="en"/>
               <a:t>Coding Challenge: Feature Engineering</a:t>
             </a:r>
-            <a:endParaRPr/>
+            <a:endParaRPr dirty="0"/>
           </a:p>
         </p:txBody>
       </p:sp>
@@ -12213,7 +12197,7 @@
               <a:rPr lang="en"/>
               <a:t>Assignments Due Friday Morning</a:t>
             </a:r>
-            <a:endParaRPr/>
+            <a:endParaRPr dirty="0"/>
           </a:p>
         </p:txBody>
       </p:sp>
@@ -12261,7 +12245,7 @@
               </a:rPr>
               <a:t>PCA Exercise</a:t>
             </a:r>
-            <a:endParaRPr/>
+            <a:endParaRPr dirty="0"/>
           </a:p>
           <a:p>
             <a:pPr marL="457200" lvl="0" indent="-355600" algn="l" rtl="0">
@@ -12283,7 +12267,7 @@
               </a:rPr>
               <a:t>Feature Engineering Exercise</a:t>
             </a:r>
-            <a:endParaRPr/>
+            <a:endParaRPr dirty="0"/>
           </a:p>
           <a:p>
             <a:pPr marL="457200" lvl="0" indent="-355600" algn="l" rtl="0">
@@ -12305,7 +12289,7 @@
               </a:rPr>
               <a:t>Project 2 - Part 4</a:t>
             </a:r>
-            <a:endParaRPr/>
+            <a:endParaRPr dirty="0"/>
           </a:p>
           <a:p>
             <a:pPr marL="0" lvl="0" indent="0" algn="l" rtl="0">
@@ -12317,7 +12301,7 @@
               </a:spcAft>
               <a:buNone/>
             </a:pPr>
-            <a:endParaRPr/>
+            <a:endParaRPr dirty="0"/>
           </a:p>
           <a:p>
             <a:pPr marL="0" lvl="0" indent="0" algn="l" rtl="0">
@@ -12329,7 +12313,7 @@
               </a:spcAft>
               <a:buNone/>
             </a:pPr>
-            <a:endParaRPr/>
+            <a:endParaRPr dirty="0"/>
           </a:p>
           <a:p>
             <a:pPr marL="0" lvl="0" indent="0" algn="ctr" rtl="0">
@@ -12345,7 +12329,7 @@
               <a:rPr lang="en" sz="3000"/>
               <a:t>I will be reviewing assignments Friday, Not Monday this week.  Just sayin’</a:t>
             </a:r>
-            <a:endParaRPr sz="3000"/>
+            <a:endParaRPr sz="3000" dirty="0"/>
           </a:p>
         </p:txBody>
       </p:sp>
@@ -12412,7 +12396,7 @@
               <a:rPr lang="en"/>
               <a:t>Announcements:</a:t>
             </a:r>
-            <a:endParaRPr/>
+            <a:endParaRPr dirty="0"/>
           </a:p>
         </p:txBody>
       </p:sp>
@@ -12452,10 +12436,10 @@
               <a:buChar char="●"/>
             </a:pPr>
             <a:r>
-              <a:rPr lang="en"/>
-              <a:t>Belt Exams are the week after Thanksgiving: December 2nd - 4th  </a:t>
+              <a:rPr lang="en" dirty="0"/>
+              <a:t>Belt Exams are: February 10th - 12th  </a:t>
             </a:r>
-            <a:endParaRPr/>
+            <a:endParaRPr dirty="0"/>
           </a:p>
           <a:p>
             <a:pPr marL="914400" lvl="1" indent="-355600" algn="l" rtl="0">
@@ -12469,10 +12453,10 @@
               <a:buChar char="○"/>
             </a:pPr>
             <a:r>
-              <a:rPr lang="en"/>
+              <a:rPr lang="en" dirty="0"/>
               <a:t>Make sure you are caught up on assignments!</a:t>
             </a:r>
-            <a:endParaRPr/>
+            <a:endParaRPr dirty="0"/>
           </a:p>
           <a:p>
             <a:pPr marL="914400" lvl="1" indent="-355600" algn="l" rtl="0">
@@ -12486,14 +12470,14 @@
               <a:buChar char="○"/>
             </a:pPr>
             <a:r>
-              <a:rPr lang="en">
+              <a:rPr lang="en" dirty="0">
                 <a:highlight>
                   <a:srgbClr val="FFFF00"/>
                 </a:highlight>
               </a:rPr>
               <a:t>Content from weeks 9-11 will be on the belt exam</a:t>
             </a:r>
-            <a:endParaRPr>
+            <a:endParaRPr dirty="0">
               <a:highlight>
                 <a:srgbClr val="FFFF00"/>
               </a:highlight>
@@ -12511,10 +12495,10 @@
               <a:buChar char="■"/>
             </a:pPr>
             <a:r>
-              <a:rPr lang="en"/>
+              <a:rPr lang="en" dirty="0"/>
               <a:t>Clustering</a:t>
             </a:r>
-            <a:endParaRPr/>
+            <a:endParaRPr dirty="0"/>
           </a:p>
           <a:p>
             <a:pPr marL="1371600" lvl="2" indent="-355600" algn="l" rtl="0">
@@ -12528,10 +12512,10 @@
               <a:buChar char="■"/>
             </a:pPr>
             <a:r>
-              <a:rPr lang="en"/>
+              <a:rPr lang="en" dirty="0"/>
               <a:t>PCA</a:t>
             </a:r>
-            <a:endParaRPr/>
+            <a:endParaRPr dirty="0"/>
           </a:p>
           <a:p>
             <a:pPr marL="1371600" lvl="2" indent="-355600" algn="l" rtl="0">
@@ -12545,10 +12529,10 @@
               <a:buChar char="■"/>
             </a:pPr>
             <a:r>
-              <a:rPr lang="en"/>
+              <a:rPr lang="en" dirty="0"/>
               <a:t>Neural network models</a:t>
             </a:r>
-            <a:endParaRPr/>
+            <a:endParaRPr dirty="0"/>
           </a:p>
           <a:p>
             <a:pPr marL="914400" lvl="1" indent="-355600" algn="l" rtl="0">
@@ -12562,7 +12546,7 @@
               <a:buChar char="○"/>
             </a:pPr>
             <a:r>
-              <a:rPr lang="en" u="sng">
+              <a:rPr lang="en" u="sng" dirty="0">
                 <a:solidFill>
                   <a:schemeClr val="hlink"/>
                 </a:solidFill>
@@ -12570,7 +12554,7 @@
               </a:rPr>
               <a:t>Belt Prep and Practice Exam on LP</a:t>
             </a:r>
-            <a:endParaRPr b="1">
+            <a:endParaRPr b="1" dirty="0">
               <a:highlight>
                 <a:srgbClr val="FF9900"/>
               </a:highlight>
@@ -12655,7 +12639,7 @@
               <a:buFont typeface="Arial"/>
               <a:buNone/>
             </a:pPr>
-            <a:endParaRPr sz="1400" b="0" i="0" u="none" strike="noStrike" cap="none">
+            <a:endParaRPr sz="1400" b="0" i="0" u="none" strike="noStrike" cap="none" dirty="0">
               <a:solidFill>
                 <a:srgbClr val="000000"/>
               </a:solidFill>
@@ -12738,7 +12722,7 @@
               <a:buFont typeface="Arial"/>
               <a:buNone/>
             </a:pPr>
-            <a:endParaRPr sz="1400" b="0" i="0" u="none" strike="noStrike" cap="none">
+            <a:endParaRPr sz="1400" b="0" i="0" u="none" strike="noStrike" cap="none" dirty="0">
               <a:solidFill>
                 <a:srgbClr val="FFFFFF"/>
               </a:solidFill>
@@ -12828,7 +12812,7 @@
               </a:rPr>
               <a:t> </a:t>
             </a:r>
-            <a:endParaRPr sz="4500" b="0" i="0" u="none" strike="noStrike" cap="none">
+            <a:endParaRPr sz="4500" b="0" i="0" u="none" strike="noStrike" cap="none" dirty="0">
               <a:solidFill>
                 <a:srgbClr val="FFFFFF"/>
               </a:solidFill>
@@ -12892,7 +12876,7 @@
               </a:rPr>
               <a:t>!</a:t>
             </a:r>
-            <a:endParaRPr sz="4500" b="0" i="0" u="none" strike="noStrike" cap="none">
+            <a:endParaRPr sz="4500" b="0" i="0" u="none" strike="noStrike" cap="none" dirty="0">
               <a:solidFill>
                 <a:srgbClr val="FFFFFF"/>
               </a:solidFill>
@@ -12920,7 +12904,7 @@
               <a:buFont typeface="Arial"/>
               <a:buNone/>
             </a:pPr>
-            <a:endParaRPr sz="4500" b="0" i="0" u="none" strike="noStrike" cap="none">
+            <a:endParaRPr sz="4500" b="0" i="0" u="none" strike="noStrike" cap="none" dirty="0">
               <a:solidFill>
                 <a:srgbClr val="FFFFFF"/>
               </a:solidFill>
@@ -12986,7 +12970,7 @@
               </a:rPr>
               <a:t>Data Science in Python &amp; </a:t>
             </a:r>
-            <a:endParaRPr sz="1800" b="0" i="0" u="none" strike="noStrike" cap="none">
+            <a:endParaRPr sz="1800" b="0" i="0" u="none" strike="noStrike" cap="none" dirty="0">
               <a:solidFill>
                 <a:srgbClr val="FFFFFF"/>
               </a:solidFill>
@@ -13026,7 +13010,7 @@
               </a:rPr>
               <a:t>Machine Learning</a:t>
             </a:r>
-            <a:endParaRPr sz="1800" b="0" i="0" u="none" strike="noStrike" cap="none">
+            <a:endParaRPr sz="1800" b="0" i="0" u="none" strike="noStrike" cap="none" dirty="0">
               <a:solidFill>
                 <a:srgbClr val="FFFFFF"/>
               </a:solidFill>
@@ -13155,7 +13139,7 @@
               <a:rPr lang="en"/>
               <a:t>Announcements: </a:t>
             </a:r>
-            <a:endParaRPr/>
+            <a:endParaRPr dirty="0"/>
           </a:p>
           <a:p>
             <a:pPr marL="0" lvl="0" indent="0" algn="ctr" rtl="0">
@@ -13171,7 +13155,7 @@
               <a:rPr lang="en"/>
               <a:t>Special Belt Exam Code Reviews</a:t>
             </a:r>
-            <a:endParaRPr/>
+            <a:endParaRPr dirty="0"/>
           </a:p>
         </p:txBody>
       </p:sp>
@@ -13218,7 +13202,7 @@
               </a:rPr>
               <a:t>Next Week’s Code Reviews will be devoted to Belt Exam Prep!!</a:t>
             </a:r>
-            <a:endParaRPr>
+            <a:endParaRPr dirty="0">
               <a:highlight>
                 <a:srgbClr val="FFFF00"/>
               </a:highlight>
@@ -13234,7 +13218,7 @@
               </a:spcAft>
               <a:buNone/>
             </a:pPr>
-            <a:endParaRPr/>
+            <a:endParaRPr dirty="0"/>
           </a:p>
           <a:p>
             <a:pPr marL="914400" lvl="0" indent="-355600" algn="l" rtl="0">
@@ -13251,7 +13235,7 @@
               <a:rPr lang="en"/>
               <a:t>Review content</a:t>
             </a:r>
-            <a:endParaRPr/>
+            <a:endParaRPr dirty="0"/>
           </a:p>
           <a:p>
             <a:pPr marL="914400" lvl="0" indent="-355600" algn="l" rtl="0">
@@ -13268,7 +13252,7 @@
               <a:rPr lang="en"/>
               <a:t>Find your weaknesses</a:t>
             </a:r>
-            <a:endParaRPr/>
+            <a:endParaRPr dirty="0"/>
           </a:p>
           <a:p>
             <a:pPr marL="914400" lvl="0" indent="-355600" algn="l" rtl="0">
@@ -13285,7 +13269,7 @@
               <a:rPr lang="en"/>
               <a:t>Create a study plan</a:t>
             </a:r>
-            <a:endParaRPr/>
+            <a:endParaRPr dirty="0"/>
           </a:p>
           <a:p>
             <a:pPr marL="0" lvl="0" indent="0" algn="l" rtl="0">
@@ -13297,7 +13281,7 @@
               </a:spcAft>
               <a:buNone/>
             </a:pPr>
-            <a:endParaRPr u="sng">
+            <a:endParaRPr u="sng" dirty="0">
               <a:solidFill>
                 <a:schemeClr val="accent1"/>
               </a:solidFill>
@@ -13322,7 +13306,7 @@
               </a:rPr>
               <a:t>Code Review Sign Up</a:t>
             </a:r>
-            <a:endParaRPr sz="2500" u="sng">
+            <a:endParaRPr sz="2500" u="sng" dirty="0">
               <a:solidFill>
                 <a:schemeClr val="accent1"/>
               </a:solidFill>
@@ -13393,7 +13377,7 @@
               <a:rPr lang="en"/>
               <a:t>Week 3 is a Big Week!</a:t>
             </a:r>
-            <a:endParaRPr/>
+            <a:endParaRPr dirty="0"/>
           </a:p>
           <a:p>
             <a:pPr marL="0" lvl="0" indent="0" algn="ctr" rtl="0">
@@ -13413,7 +13397,7 @@
               </a:rPr>
               <a:t>Start Early…like Friday Night!</a:t>
             </a:r>
-            <a:endParaRPr/>
+            <a:endParaRPr dirty="0"/>
           </a:p>
         </p:txBody>
       </p:sp>
@@ -13453,10 +13437,10 @@
               <a:buChar char="●"/>
             </a:pPr>
             <a:r>
-              <a:rPr lang="en"/>
+              <a:rPr lang="en" dirty="0"/>
               <a:t>Catch up on Weeks 1 and 2</a:t>
             </a:r>
-            <a:endParaRPr/>
+            <a:endParaRPr dirty="0"/>
           </a:p>
           <a:p>
             <a:pPr marL="457200" lvl="0" indent="-355600" algn="l" rtl="0">
@@ -13470,10 +13454,10 @@
               <a:buChar char="●"/>
             </a:pPr>
             <a:r>
-              <a:rPr lang="en"/>
+              <a:rPr lang="en" dirty="0"/>
               <a:t>Week 3 content</a:t>
             </a:r>
-            <a:endParaRPr/>
+            <a:endParaRPr dirty="0"/>
           </a:p>
           <a:p>
             <a:pPr marL="457200" lvl="0" indent="-355600" algn="l" rtl="0">
@@ -13487,10 +13471,10 @@
               <a:buChar char="●"/>
             </a:pPr>
             <a:r>
-              <a:rPr lang="en"/>
+              <a:rPr lang="en" dirty="0"/>
               <a:t>Week 3 assignments</a:t>
             </a:r>
-            <a:endParaRPr/>
+            <a:endParaRPr dirty="0"/>
           </a:p>
           <a:p>
             <a:pPr marL="457200" lvl="0" indent="-355600" algn="l" rtl="0">
@@ -13504,10 +13488,10 @@
               <a:buChar char="●"/>
             </a:pPr>
             <a:r>
-              <a:rPr lang="en"/>
+              <a:rPr lang="en" dirty="0"/>
               <a:t>Finalize Project 2 Presentation</a:t>
             </a:r>
-            <a:endParaRPr/>
+            <a:endParaRPr dirty="0"/>
           </a:p>
           <a:p>
             <a:pPr marL="457200" lvl="0" indent="-355600" algn="l" rtl="0">
@@ -13521,10 +13505,10 @@
               <a:buChar char="●"/>
             </a:pPr>
             <a:r>
-              <a:rPr lang="en"/>
+              <a:rPr lang="en" dirty="0"/>
               <a:t>Prepare for Stack 3 Belt Exam</a:t>
             </a:r>
-            <a:endParaRPr/>
+            <a:endParaRPr dirty="0"/>
           </a:p>
           <a:p>
             <a:pPr marL="0" lvl="0" indent="0" algn="l" rtl="0">
@@ -13536,7 +13520,7 @@
               </a:spcAft>
               <a:buNone/>
             </a:pPr>
-            <a:endParaRPr/>
+            <a:endParaRPr dirty="0"/>
           </a:p>
           <a:p>
             <a:pPr marL="0" lvl="0" indent="0" algn="ctr" rtl="0">
@@ -13554,7 +13538,7 @@
               <a:buNone/>
             </a:pPr>
             <a:r>
-              <a:rPr lang="en" sz="3000" u="sng">
+              <a:rPr lang="en" sz="3000" u="sng" dirty="0">
                 <a:solidFill>
                   <a:schemeClr val="hlink"/>
                 </a:solidFill>
@@ -13562,7 +13546,7 @@
               </a:rPr>
               <a:t>Daily Schedule</a:t>
             </a:r>
-            <a:endParaRPr/>
+            <a:endParaRPr dirty="0"/>
           </a:p>
         </p:txBody>
       </p:sp>
@@ -13629,7 +13613,7 @@
               <a:rPr lang="en"/>
               <a:t>Next Lecture: Intro to Deep Learning</a:t>
             </a:r>
-            <a:endParaRPr/>
+            <a:endParaRPr dirty="0"/>
           </a:p>
         </p:txBody>
       </p:sp>
@@ -13671,7 +13655,7 @@
               <a:rPr lang="en"/>
               <a:t>Please Read:</a:t>
             </a:r>
-            <a:endParaRPr/>
+            <a:endParaRPr dirty="0"/>
           </a:p>
           <a:p>
             <a:pPr marL="457200" lvl="0" indent="-355600" algn="l" rtl="0">
@@ -13693,7 +13677,7 @@
               </a:rPr>
               <a:t>Intro to Deep Learning</a:t>
             </a:r>
-            <a:endParaRPr/>
+            <a:endParaRPr dirty="0"/>
           </a:p>
           <a:p>
             <a:pPr marL="457200" lvl="0" indent="-355600" algn="l" rtl="0">
@@ -13715,7 +13699,7 @@
               </a:rPr>
               <a:t>Forward Propagation</a:t>
             </a:r>
-            <a:endParaRPr/>
+            <a:endParaRPr dirty="0"/>
           </a:p>
           <a:p>
             <a:pPr marL="457200" lvl="0" indent="-355600" algn="l" rtl="0">
@@ -13737,7 +13721,7 @@
               </a:rPr>
               <a:t>Activation Functions</a:t>
             </a:r>
-            <a:endParaRPr/>
+            <a:endParaRPr dirty="0"/>
           </a:p>
           <a:p>
             <a:pPr marL="457200" lvl="0" indent="-355600" algn="l" rtl="0">
@@ -13759,7 +13743,7 @@
               </a:rPr>
               <a:t>Backward Propagation</a:t>
             </a:r>
-            <a:endParaRPr/>
+            <a:endParaRPr dirty="0"/>
           </a:p>
           <a:p>
             <a:pPr marL="457200" lvl="0" indent="-355600" algn="l" rtl="0">
@@ -13781,7 +13765,7 @@
               </a:rPr>
               <a:t>Neural Networks in Keras</a:t>
             </a:r>
-            <a:endParaRPr/>
+            <a:endParaRPr dirty="0"/>
           </a:p>
         </p:txBody>
       </p:sp>
@@ -13845,7 +13829,7 @@
               <a:buNone/>
             </a:pPr>
             <a:r>
-              <a:rPr lang="en" b="1">
+              <a:rPr lang="en" b="1" dirty="0">
                 <a:latin typeface="Open Sans"/>
                 <a:ea typeface="Open Sans"/>
                 <a:cs typeface="Open Sans"/>
@@ -13853,7 +13837,7 @@
               </a:rPr>
               <a:t>Review: What’s wrong with this code? </a:t>
             </a:r>
-            <a:endParaRPr b="1">
+            <a:endParaRPr b="1" dirty="0">
               <a:latin typeface="Open Sans"/>
               <a:ea typeface="Open Sans"/>
               <a:cs typeface="Open Sans"/>
@@ -13871,10 +13855,10 @@
               <a:buNone/>
             </a:pPr>
             <a:r>
-              <a:rPr lang="en" sz="2700"/>
-              <a:t>There are 7 mistakes.  Use the annotation tool to circle one, type one chat, or say one outloud</a:t>
+              <a:rPr lang="en" sz="2700" dirty="0"/>
+              <a:t>There are 9 mistakes.  Use the annotation tool to circle one, type one chat, or say one outloud</a:t>
             </a:r>
-            <a:endParaRPr sz="2700"/>
+            <a:endParaRPr sz="2700" dirty="0"/>
           </a:p>
         </p:txBody>
       </p:sp>
@@ -13903,204 +13887,357 @@
           </a:bodyPr>
           <a:lstStyle/>
           <a:p>
-            <a:pPr marL="0" lvl="0" indent="0" algn="l" rtl="0">
-              <a:spcBef>
-                <a:spcPts val="0"/>
-              </a:spcBef>
-              <a:spcAft>
-                <a:spcPts val="0"/>
-              </a:spcAft>
-              <a:buNone/>
+            <a:pPr algn="l" rtl="0">
+              <a:spcBef>
+                <a:spcPts val="0"/>
+              </a:spcBef>
+              <a:spcAft>
+                <a:spcPts val="0"/>
+              </a:spcAft>
             </a:pPr>
             <a:r>
-              <a:rPr lang="en" sz="1500"/>
+              <a:rPr lang="en-US" sz="1400" b="0" i="0" u="none" strike="noStrike" dirty="0">
+                <a:solidFill>
+                  <a:srgbClr val="000000"/>
+                </a:solidFill>
+                <a:effectLst/>
+                <a:latin typeface="Arial" panose="020B0604020202020204" pitchFamily="34" charset="0"/>
+              </a:rPr>
               <a:t>from sklearn.decomposition import PCA</a:t>
             </a:r>
-            <a:endParaRPr sz="1500"/>
-          </a:p>
-          <a:p>
-            <a:pPr marL="0" lvl="0" indent="0" algn="l" rtl="0">
-              <a:spcBef>
-                <a:spcPts val="0"/>
-              </a:spcBef>
-              <a:spcAft>
-                <a:spcPts val="0"/>
-              </a:spcAft>
-              <a:buNone/>
+            <a:endParaRPr lang="en-US" sz="1400" b="0" dirty="0">
+              <a:effectLst/>
+            </a:endParaRPr>
+          </a:p>
+          <a:p>
+            <a:pPr algn="l" rtl="0">
+              <a:spcBef>
+                <a:spcPts val="0"/>
+              </a:spcBef>
+              <a:spcAft>
+                <a:spcPts val="0"/>
+              </a:spcAft>
             </a:pPr>
             <a:r>
-              <a:rPr lang="en" sz="1500"/>
+              <a:rPr lang="en-US" sz="1400" b="0" i="0" u="none" strike="noStrike" dirty="0">
+                <a:solidFill>
+                  <a:srgbClr val="000000"/>
+                </a:solidFill>
+                <a:effectLst/>
+                <a:latin typeface="Arial" panose="020B0604020202020204" pitchFamily="34" charset="0"/>
+              </a:rPr>
               <a:t>from sklearn.preprocessing import StandardScaler</a:t>
             </a:r>
-            <a:endParaRPr sz="1500"/>
-          </a:p>
-          <a:p>
-            <a:pPr marL="0" lvl="0" indent="0" algn="l" rtl="0">
-              <a:spcBef>
-                <a:spcPts val="0"/>
-              </a:spcBef>
-              <a:spcAft>
-                <a:spcPts val="0"/>
-              </a:spcAft>
-              <a:buNone/>
+            <a:endParaRPr lang="en-US" sz="1400" b="0" dirty="0">
+              <a:effectLst/>
+            </a:endParaRPr>
+          </a:p>
+          <a:p>
+            <a:pPr algn="l" rtl="0">
+              <a:spcBef>
+                <a:spcPts val="0"/>
+              </a:spcBef>
+              <a:spcAft>
+                <a:spcPts val="0"/>
+              </a:spcAft>
             </a:pPr>
             <a:r>
-              <a:rPr lang="en" sz="1500"/>
+              <a:rPr lang="en-US" sz="1400" b="0" i="0" u="none" strike="noStrike" dirty="0">
+                <a:solidFill>
+                  <a:srgbClr val="000000"/>
+                </a:solidFill>
+                <a:effectLst/>
+                <a:latin typeface="Arial" panose="020B0604020202020204" pitchFamily="34" charset="0"/>
+              </a:rPr>
               <a:t>from sklearn.model_selection import train_test_split</a:t>
             </a:r>
-            <a:endParaRPr sz="1500"/>
-          </a:p>
-          <a:p>
-            <a:pPr marL="0" lvl="0" indent="0" algn="l" rtl="0">
-              <a:spcBef>
-                <a:spcPts val="0"/>
-              </a:spcBef>
-              <a:spcAft>
-                <a:spcPts val="0"/>
-              </a:spcAft>
-              <a:buNone/>
+          </a:p>
+          <a:p>
+            <a:pPr algn="l" rtl="0">
+              <a:spcBef>
+                <a:spcPts val="0"/>
+              </a:spcBef>
+              <a:spcAft>
+                <a:spcPts val="0"/>
+              </a:spcAft>
             </a:pPr>
             <a:r>
-              <a:rPr lang="en" sz="1500"/>
+              <a:rPr lang="en-US" sz="1400" b="0" dirty="0">
+                <a:effectLst/>
+                <a:latin typeface="Arial" panose="020B0604020202020204" pitchFamily="34" charset="0"/>
+              </a:rPr>
+              <a:t>From </a:t>
+            </a:r>
+            <a:r>
+              <a:rPr lang="en-US" sz="1400" b="0" dirty="0" err="1">
+                <a:effectLst/>
+                <a:latin typeface="Arial" panose="020B0604020202020204" pitchFamily="34" charset="0"/>
+              </a:rPr>
+              <a:t>sklearn.pipeline</a:t>
+            </a:r>
+            <a:r>
+              <a:rPr lang="en-US" sz="1400" b="0" dirty="0">
+                <a:effectLst/>
+                <a:latin typeface="Arial" panose="020B0604020202020204" pitchFamily="34" charset="0"/>
+              </a:rPr>
+              <a:t> import make_pipeline</a:t>
+            </a:r>
+            <a:endParaRPr lang="en-US" sz="1400" b="0" dirty="0">
+              <a:effectLst/>
+            </a:endParaRPr>
+          </a:p>
+          <a:p>
+            <a:pPr algn="l" rtl="0">
+              <a:spcBef>
+                <a:spcPts val="0"/>
+              </a:spcBef>
+              <a:spcAft>
+                <a:spcPts val="0"/>
+              </a:spcAft>
+            </a:pPr>
+            <a:r>
+              <a:rPr lang="en-US" sz="1400" b="0" i="0" u="none" strike="noStrike" dirty="0">
+                <a:solidFill>
+                  <a:srgbClr val="000000"/>
+                </a:solidFill>
+                <a:effectLst/>
+                <a:latin typeface="Arial" panose="020B0604020202020204" pitchFamily="34" charset="0"/>
+              </a:rPr>
               <a:t>import pandas as pd</a:t>
             </a:r>
-            <a:endParaRPr sz="1500"/>
-          </a:p>
-          <a:p>
-            <a:pPr marL="0" lvl="0" indent="0" algn="l" rtl="0">
-              <a:spcBef>
-                <a:spcPts val="0"/>
-              </a:spcBef>
-              <a:spcAft>
-                <a:spcPts val="0"/>
-              </a:spcAft>
-              <a:buNone/>
-            </a:pPr>
-            <a:endParaRPr sz="1500"/>
-          </a:p>
-          <a:p>
-            <a:pPr marL="0" lvl="0" indent="0" algn="l" rtl="0">
-              <a:spcBef>
-                <a:spcPts val="0"/>
-              </a:spcBef>
-              <a:spcAft>
-                <a:spcPts val="0"/>
-              </a:spcAft>
-              <a:buNone/>
+            <a:endParaRPr lang="en-US" sz="1400" b="0" dirty="0">
+              <a:effectLst/>
+            </a:endParaRPr>
+          </a:p>
+          <a:p>
+            <a:pPr algn="l" rtl="0">
+              <a:spcBef>
+                <a:spcPts val="0"/>
+              </a:spcBef>
+              <a:spcAft>
+                <a:spcPts val="0"/>
+              </a:spcAft>
+            </a:pPr>
+            <a:endParaRPr lang="en-US" sz="1400" i="0" u="none" strike="noStrike" dirty="0">
+              <a:solidFill>
+                <a:srgbClr val="000000"/>
+              </a:solidFill>
+              <a:latin typeface="Arial" panose="020B0604020202020204" pitchFamily="34" charset="0"/>
+            </a:endParaRPr>
+          </a:p>
+          <a:p>
+            <a:pPr algn="l" rtl="0">
+              <a:spcBef>
+                <a:spcPts val="0"/>
+              </a:spcBef>
+              <a:spcAft>
+                <a:spcPts val="0"/>
+              </a:spcAft>
             </a:pPr>
             <a:r>
-              <a:rPr lang="en" sz="1500"/>
-              <a:t>df = pd.read_csv(‘/content/data.csv’)</a:t>
+              <a:rPr lang="en-US" sz="1400" b="0" i="0" u="none" strike="noStrike" dirty="0">
+                <a:solidFill>
+                  <a:srgbClr val="000000"/>
+                </a:solidFill>
+                <a:effectLst/>
+                <a:latin typeface="Arial" panose="020B0604020202020204" pitchFamily="34" charset="0"/>
+              </a:rPr>
+              <a:t>df = pd.read_csv(‘content/data.csv’)</a:t>
             </a:r>
-            <a:endParaRPr sz="1500"/>
-          </a:p>
-          <a:p>
-            <a:pPr marL="0" lvl="0" indent="0" algn="l" rtl="0">
-              <a:spcBef>
-                <a:spcPts val="0"/>
-              </a:spcBef>
-              <a:spcAft>
-                <a:spcPts val="0"/>
-              </a:spcAft>
-              <a:buNone/>
+            <a:endParaRPr lang="en-US" sz="1400" b="0" dirty="0">
+              <a:effectLst/>
+            </a:endParaRPr>
+          </a:p>
+          <a:p>
+            <a:pPr algn="l" rtl="0">
+              <a:spcBef>
+                <a:spcPts val="0"/>
+              </a:spcBef>
+              <a:spcAft>
+                <a:spcPts val="0"/>
+              </a:spcAft>
             </a:pPr>
             <a:r>
-              <a:rPr lang="en" sz="1500"/>
-              <a:t>X = df.drop(columns=‘target’)</a:t>
+              <a:rPr lang="en-US" sz="1400" b="0" i="0" u="none" strike="noStrike" dirty="0">
+                <a:solidFill>
+                  <a:srgbClr val="000000"/>
+                </a:solidFill>
+                <a:effectLst/>
+                <a:latin typeface="Arial" panose="020B0604020202020204" pitchFamily="34" charset="0"/>
+              </a:rPr>
+              <a:t>X = df.drop(‘target’, axis=1)</a:t>
             </a:r>
-            <a:endParaRPr sz="1500"/>
-          </a:p>
-          <a:p>
-            <a:pPr marL="0" lvl="0" indent="0" algn="l" rtl="0">
-              <a:spcBef>
-                <a:spcPts val="0"/>
-              </a:spcBef>
-              <a:spcAft>
-                <a:spcPts val="0"/>
-              </a:spcAft>
-              <a:buNone/>
+            <a:endParaRPr lang="en-US" sz="1400" b="0" dirty="0">
+              <a:effectLst/>
+            </a:endParaRPr>
+          </a:p>
+          <a:p>
+            <a:pPr algn="l" rtl="0">
+              <a:spcBef>
+                <a:spcPts val="0"/>
+              </a:spcBef>
+              <a:spcAft>
+                <a:spcPts val="0"/>
+              </a:spcAft>
             </a:pPr>
             <a:r>
-              <a:rPr lang="en" sz="1500"/>
+              <a:rPr lang="en-US" sz="1400" b="0" i="0" u="none" strike="noStrike" dirty="0">
+                <a:solidFill>
+                  <a:srgbClr val="000000"/>
+                </a:solidFill>
+                <a:effectLst/>
+                <a:latin typeface="Arial" panose="020B0604020202020204" pitchFamily="34" charset="0"/>
+              </a:rPr>
               <a:t>y = df[‘target’]</a:t>
             </a:r>
-            <a:endParaRPr sz="1500"/>
-          </a:p>
-          <a:p>
-            <a:pPr marL="0" lvl="0" indent="0" algn="l" rtl="0">
-              <a:spcBef>
-                <a:spcPts val="0"/>
-              </a:spcBef>
-              <a:spcAft>
-                <a:spcPts val="0"/>
-              </a:spcAft>
-              <a:buNone/>
+            <a:endParaRPr lang="en-US" sz="1400" b="0" dirty="0">
+              <a:effectLst/>
+            </a:endParaRPr>
+          </a:p>
+          <a:p>
+            <a:pPr algn="l" rtl="0">
+              <a:spcBef>
+                <a:spcPts val="0"/>
+              </a:spcBef>
+              <a:spcAft>
+                <a:spcPts val="0"/>
+              </a:spcAft>
             </a:pPr>
             <a:r>
-              <a:rPr lang="en" sz="1500"/>
-              <a:t>X_train, X_test, y_train, y_test = train_test_split(X, y, random_state=42)</a:t>
+              <a:rPr lang="en-US" sz="1400" b="0" i="0" u="none" strike="noStrike" dirty="0">
+                <a:solidFill>
+                  <a:srgbClr val="000000"/>
+                </a:solidFill>
+                <a:effectLst/>
+                <a:latin typeface="Arial" panose="020B0604020202020204" pitchFamily="34" charset="0"/>
+              </a:rPr>
+              <a:t>X_train, X_test, y_train, y_test = train_test_split(X, y, </a:t>
             </a:r>
-            <a:endParaRPr sz="1500"/>
-          </a:p>
-          <a:p>
-            <a:pPr marL="0" lvl="0" indent="0" algn="l" rtl="0">
-              <a:spcBef>
-                <a:spcPts val="0"/>
-              </a:spcBef>
-              <a:spcAft>
-                <a:spcPts val="0"/>
-              </a:spcAft>
-              <a:buNone/>
-            </a:pPr>
-            <a:endParaRPr sz="1500"/>
-          </a:p>
-          <a:p>
-            <a:pPr marL="0" lvl="0" indent="0" algn="l" rtl="0">
-              <a:spcBef>
-                <a:spcPts val="0"/>
-              </a:spcBef>
-              <a:spcAft>
-                <a:spcPts val="0"/>
-              </a:spcAft>
-              <a:buNone/>
-            </a:pPr>
             <a:r>
-              <a:rPr lang="en" sz="1500"/>
-              <a:t>pca_pipe = make_pipeline(StandardScaler(), PCA(n_components=.95))</a:t>
+              <a:rPr lang="en-US" sz="1400" b="0" i="0" u="none" strike="noStrike" dirty="0" err="1">
+                <a:solidFill>
+                  <a:srgbClr val="000000"/>
+                </a:solidFill>
+                <a:effectLst/>
+                <a:latin typeface="Arial" panose="020B0604020202020204" pitchFamily="34" charset="0"/>
+              </a:rPr>
+              <a:t>random_state</a:t>
             </a:r>
-            <a:endParaRPr sz="1500"/>
-          </a:p>
-          <a:p>
-            <a:pPr marL="0" lvl="0" indent="0" algn="l" rtl="0">
-              <a:spcBef>
-                <a:spcPts val="0"/>
-              </a:spcBef>
-              <a:spcAft>
-                <a:spcPts val="0"/>
-              </a:spcAft>
-              <a:buNone/>
-            </a:pPr>
             <a:r>
-              <a:rPr lang="en" sz="1500"/>
-              <a:t>X_train_proc = pca_pipe.fit_transform(X_train)</a:t>
+              <a:rPr lang="en-US" sz="1400" b="0" i="0" u="none" strike="noStrike" dirty="0">
+                <a:solidFill>
+                  <a:srgbClr val="000000"/>
+                </a:solidFill>
+                <a:effectLst/>
+                <a:latin typeface="Arial" panose="020B0604020202020204" pitchFamily="34" charset="0"/>
+              </a:rPr>
+              <a:t>=42)</a:t>
             </a:r>
-            <a:endParaRPr sz="1500"/>
-          </a:p>
-          <a:p>
-            <a:pPr marL="0" lvl="0" indent="0" algn="l" rtl="0">
-              <a:spcBef>
-                <a:spcPts val="0"/>
-              </a:spcBef>
-              <a:spcAft>
-                <a:spcPts val="0"/>
-              </a:spcAft>
-              <a:buNone/>
+            <a:endParaRPr lang="en-US" sz="1400" b="0" dirty="0">
+              <a:effectLst/>
+            </a:endParaRPr>
+          </a:p>
+          <a:p>
+            <a:pPr algn="l" rtl="0">
+              <a:spcBef>
+                <a:spcPts val="0"/>
+              </a:spcBef>
+              <a:spcAft>
+                <a:spcPts val="0"/>
+              </a:spcAft>
+            </a:pPr>
+            <a:endParaRPr lang="en-US" sz="1400" i="0" u="none" strike="noStrike" dirty="0">
+              <a:solidFill>
+                <a:srgbClr val="000000"/>
+              </a:solidFill>
+              <a:latin typeface="Arial" panose="020B0604020202020204" pitchFamily="34" charset="0"/>
+            </a:endParaRPr>
+          </a:p>
+          <a:p>
+            <a:pPr algn="l" rtl="0">
+              <a:spcBef>
+                <a:spcPts val="0"/>
+              </a:spcBef>
+              <a:spcAft>
+                <a:spcPts val="0"/>
+              </a:spcAft>
             </a:pPr>
             <a:r>
-              <a:rPr lang="en" sz="1500"/>
-              <a:t>X_test_proc = pca_pipe.transform(X_test)</a:t>
+              <a:rPr lang="en-US" sz="1400" b="0" i="0" u="none" strike="noStrike" dirty="0">
+                <a:solidFill>
+                  <a:srgbClr val="000000"/>
+                </a:solidFill>
+                <a:effectLst/>
+                <a:latin typeface="Arial" panose="020B0604020202020204" pitchFamily="34" charset="0"/>
+              </a:rPr>
+              <a:t>pca_pipe = make_pipeline(StandardScaler(), PCA(.95))</a:t>
             </a:r>
-            <a:endParaRPr sz="1500"/>
+            <a:endParaRPr lang="en-US" sz="1400" b="0" dirty="0">
+              <a:effectLst/>
+            </a:endParaRPr>
+          </a:p>
+          <a:p>
+            <a:pPr algn="l" rtl="0">
+              <a:spcBef>
+                <a:spcPts val="0"/>
+              </a:spcBef>
+              <a:spcAft>
+                <a:spcPts val="0"/>
+              </a:spcAft>
+            </a:pPr>
+            <a:r>
+              <a:rPr lang="en-US" sz="1400" b="0" i="0" u="none" strike="noStrike" dirty="0">
+                <a:solidFill>
+                  <a:srgbClr val="000000"/>
+                </a:solidFill>
+                <a:effectLst/>
+                <a:latin typeface="Arial" panose="020B0604020202020204" pitchFamily="34" charset="0"/>
+              </a:rPr>
+              <a:t>pca_pipe.fit_transform(X_train)</a:t>
+            </a:r>
+            <a:endParaRPr lang="en-US" sz="1400" b="0" dirty="0">
+              <a:effectLst/>
+            </a:endParaRPr>
+          </a:p>
+          <a:p>
+            <a:pPr algn="l" rtl="0">
+              <a:spcBef>
+                <a:spcPts val="0"/>
+              </a:spcBef>
+              <a:spcAft>
+                <a:spcPts val="0"/>
+              </a:spcAft>
+            </a:pPr>
+            <a:r>
+              <a:rPr lang="en-US" sz="1400" b="0" i="0" u="none" strike="noStrike" dirty="0" err="1">
+                <a:solidFill>
+                  <a:srgbClr val="000000"/>
+                </a:solidFill>
+                <a:effectLst/>
+                <a:latin typeface="Arial" panose="020B0604020202020204" pitchFamily="34" charset="0"/>
+              </a:rPr>
+              <a:t>pca_pipe.transform</a:t>
+            </a:r>
+            <a:r>
+              <a:rPr lang="en-US" sz="1400" b="0" i="0" u="none" strike="noStrike" dirty="0">
+                <a:solidFill>
+                  <a:srgbClr val="000000"/>
+                </a:solidFill>
+                <a:effectLst/>
+                <a:latin typeface="Arial" panose="020B0604020202020204" pitchFamily="34" charset="0"/>
+              </a:rPr>
+              <a:t>(X_test)</a:t>
+            </a:r>
+            <a:endParaRPr lang="en-US" sz="1400" b="0" dirty="0">
+              <a:effectLst/>
+            </a:endParaRPr>
+          </a:p>
+          <a:p>
+            <a:pPr algn="l"/>
+            <a:br>
+              <a:rPr lang="en-US" sz="1400" dirty="0"/>
+            </a:br>
+            <a:endParaRPr sz="1400" dirty="0"/>
           </a:p>
         </p:txBody>
       </p:sp>
@@ -14167,7 +14304,7 @@
               <a:rPr lang="en"/>
               <a:t>Learning Objectives</a:t>
             </a:r>
-            <a:endParaRPr/>
+            <a:endParaRPr dirty="0"/>
           </a:p>
         </p:txBody>
       </p:sp>
@@ -14210,7 +14347,7 @@
               <a:rPr lang="en"/>
               <a:t>Identify features for engineering</a:t>
             </a:r>
-            <a:endParaRPr/>
+            <a:endParaRPr dirty="0"/>
           </a:p>
           <a:p>
             <a:pPr marL="457200" lvl="0" indent="-355600" algn="l" rtl="0">
@@ -14227,7 +14364,7 @@
               <a:rPr lang="en"/>
               <a:t>Select appropriate engineering strategies</a:t>
             </a:r>
-            <a:endParaRPr/>
+            <a:endParaRPr dirty="0"/>
           </a:p>
           <a:p>
             <a:pPr marL="457200" lvl="0" indent="-355600" algn="l" rtl="0">
@@ -14244,7 +14381,7 @@
               <a:rPr lang="en"/>
               <a:t>Create non-linear feature combinations with PolynomialFeatures</a:t>
             </a:r>
-            <a:endParaRPr/>
+            <a:endParaRPr dirty="0"/>
           </a:p>
           <a:p>
             <a:pPr marL="457200" lvl="0" indent="-355600" algn="l" rtl="0">
@@ -14261,7 +14398,7 @@
               <a:rPr lang="en"/>
               <a:t>Apply feature engineering to a dataset to improve model performance</a:t>
             </a:r>
-            <a:endParaRPr/>
+            <a:endParaRPr dirty="0"/>
           </a:p>
         </p:txBody>
       </p:sp>
@@ -14328,7 +14465,7 @@
               <a:rPr lang="en"/>
               <a:t>Feature Engineering</a:t>
             </a:r>
-            <a:endParaRPr/>
+            <a:endParaRPr dirty="0"/>
           </a:p>
         </p:txBody>
       </p:sp>
@@ -14368,13 +14505,13 @@
               <a:buChar char="●"/>
             </a:pPr>
             <a:r>
-              <a:rPr lang="en" sz="1600"/>
+              <a:rPr lang="en" sz="1600" dirty="0"/>
               <a:t>Changes features in some way</a:t>
             </a:r>
             <a:br>
-              <a:rPr lang="en" sz="1600"/>
+              <a:rPr lang="en" sz="1600" dirty="0"/>
             </a:br>
-            <a:endParaRPr sz="1600"/>
+            <a:endParaRPr sz="1600" dirty="0"/>
           </a:p>
           <a:p>
             <a:pPr marL="457200" lvl="0" indent="-330200" algn="l" rtl="0">
@@ -14388,13 +14525,13 @@
               <a:buChar char="●"/>
             </a:pPr>
             <a:r>
-              <a:rPr lang="en" sz="1600"/>
+              <a:rPr lang="en" sz="1600" dirty="0"/>
               <a:t>Unlock information in your data</a:t>
             </a:r>
             <a:br>
-              <a:rPr lang="en" sz="1600"/>
+              <a:rPr lang="en" sz="1600" dirty="0"/>
             </a:br>
-            <a:endParaRPr sz="1600"/>
+            <a:endParaRPr sz="1600" dirty="0"/>
           </a:p>
           <a:p>
             <a:pPr marL="457200" lvl="0" indent="-330200" algn="l" rtl="0">
@@ -14408,13 +14545,13 @@
               <a:buChar char="●"/>
             </a:pPr>
             <a:r>
-              <a:rPr lang="en" sz="1600"/>
+              <a:rPr lang="en" sz="1600" dirty="0"/>
               <a:t>Allow your model to look at data in new ways.</a:t>
             </a:r>
             <a:br>
-              <a:rPr lang="en" sz="1600"/>
+              <a:rPr lang="en" sz="1600" dirty="0"/>
             </a:br>
-            <a:endParaRPr sz="1600"/>
+            <a:endParaRPr sz="1600" dirty="0"/>
           </a:p>
         </p:txBody>
       </p:sp>
@@ -14489,7 +14626,7 @@
               </a:rPr>
               <a:t>Image thank to slaughterdbc</a:t>
             </a:r>
-            <a:endParaRPr>
+            <a:endParaRPr dirty="0">
               <a:solidFill>
                 <a:schemeClr val="dk1"/>
               </a:solidFill>
@@ -14560,7 +14697,7 @@
               <a:rPr lang="en"/>
               <a:t>Feature Engineering Review</a:t>
             </a:r>
-            <a:endParaRPr/>
+            <a:endParaRPr dirty="0"/>
           </a:p>
         </p:txBody>
       </p:sp>
@@ -14620,7 +14757,7 @@
                         </a:rPr>
                         <a:t>Engineering Skill</a:t>
                       </a:r>
-                      <a:endParaRPr>
+                      <a:endParaRPr dirty="0">
                         <a:solidFill>
                           <a:schemeClr val="lt1"/>
                         </a:solidFill>
@@ -14691,7 +14828,7 @@
                         </a:rPr>
                         <a:t>Application</a:t>
                       </a:r>
-                      <a:endParaRPr>
+                      <a:endParaRPr dirty="0">
                         <a:solidFill>
                           <a:schemeClr val="lt1"/>
                         </a:solidFill>
@@ -14769,7 +14906,7 @@
                         </a:rPr>
                         <a:t>Scaling</a:t>
                       </a:r>
-                      <a:endParaRPr>
+                      <a:endParaRPr dirty="0">
                         <a:solidFill>
                           <a:schemeClr val="dk1"/>
                         </a:solidFill>
@@ -14840,7 +14977,7 @@
                         </a:rPr>
                         <a:t>StandardScaler, MinMaxScaler</a:t>
                       </a:r>
-                      <a:endParaRPr>
+                      <a:endParaRPr dirty="0">
                         <a:solidFill>
                           <a:schemeClr val="dk1"/>
                         </a:solidFill>
@@ -14918,7 +15055,7 @@
                         </a:rPr>
                         <a:t>Encoding</a:t>
                       </a:r>
-                      <a:endParaRPr>
+                      <a:endParaRPr dirty="0">
                         <a:solidFill>
                           <a:schemeClr val="dk1"/>
                         </a:solidFill>
@@ -14989,7 +15126,7 @@
                         </a:rPr>
                         <a:t>OneHotEncoder, OrdinalEncoder</a:t>
                       </a:r>
-                      <a:endParaRPr>
+                      <a:endParaRPr dirty="0">
                         <a:solidFill>
                           <a:schemeClr val="dk1"/>
                         </a:solidFill>
@@ -15067,7 +15204,7 @@
                         </a:rPr>
                         <a:t>Dimensionality Reduction</a:t>
                       </a:r>
-                      <a:endParaRPr>
+                      <a:endParaRPr dirty="0">
                         <a:solidFill>
                           <a:schemeClr val="dk1"/>
                         </a:solidFill>
@@ -15138,7 +15275,7 @@
                         </a:rPr>
                         <a:t>PCA, LDA</a:t>
                       </a:r>
-                      <a:endParaRPr>
+                      <a:endParaRPr dirty="0">
                         <a:solidFill>
                           <a:schemeClr val="dk1"/>
                         </a:solidFill>
@@ -15212,7 +15349,7 @@
                         <a:rPr lang="en"/>
                         <a:t>Overloaded Operators</a:t>
                       </a:r>
-                      <a:endParaRPr/>
+                      <a:endParaRPr dirty="0"/>
                     </a:p>
                   </a:txBody>
                   <a:tcPr marL="91425" marR="91425" marT="91425" marB="91425">
@@ -15242,10 +15379,10 @@
                         <a:buNone/>
                       </a:pPr>
                       <a:r>
-                        <a:rPr lang="en"/>
+                        <a:rPr lang="en" dirty="0"/>
                         <a:t>col1 + col2, col2 - col2, col1 * col2, col1**2 </a:t>
                       </a:r>
-                      <a:endParaRPr/>
+                      <a:endParaRPr dirty="0"/>
                     </a:p>
                   </a:txBody>
                   <a:tcPr marL="91425" marR="91425" marT="91425" marB="91425">
@@ -15285,7 +15422,7 @@
                         <a:rPr lang="en"/>
                         <a:t>String Operators</a:t>
                       </a:r>
-                      <a:endParaRPr/>
+                      <a:endParaRPr dirty="0"/>
                     </a:p>
                   </a:txBody>
                   <a:tcPr marL="91425" marR="91425" marT="91425" marB="91425"/>
@@ -15308,7 +15445,7 @@
                         <a:rPr lang="en"/>
                         <a:t>col1.str.split(), col1.str.strip(), col1 + ‘ ‘ + col2</a:t>
                       </a:r>
-                      <a:endParaRPr/>
+                      <a:endParaRPr dirty="0"/>
                     </a:p>
                   </a:txBody>
                   <a:tcPr marL="91425" marR="91425" marT="91425" marB="91425"/>
@@ -15338,7 +15475,7 @@
                         <a:rPr lang="en"/>
                         <a:t>Datetime</a:t>
                       </a:r>
-                      <a:endParaRPr/>
+                      <a:endParaRPr dirty="0"/>
                     </a:p>
                   </a:txBody>
                   <a:tcPr marL="91425" marR="91425" marT="91425" marB="91425"/>
@@ -15361,7 +15498,7 @@
                         <a:rPr lang="en"/>
                         <a:t>col.dt.hour, col.dt.day_name(), col.dt.month</a:t>
                       </a:r>
-                      <a:endParaRPr/>
+                      <a:endParaRPr dirty="0"/>
                     </a:p>
                   </a:txBody>
                   <a:tcPr marL="91425" marR="91425" marT="91425" marB="91425"/>
@@ -15391,7 +15528,7 @@
                         <a:rPr lang="en"/>
                         <a:t>Apply Functions</a:t>
                       </a:r>
-                      <a:endParaRPr/>
+                      <a:endParaRPr dirty="0"/>
                     </a:p>
                   </a:txBody>
                   <a:tcPr marL="91425" marR="91425" marT="91425" marB="91425"/>
@@ -15411,10 +15548,10 @@
                         <a:buNone/>
                       </a:pPr>
                       <a:r>
-                        <a:rPr lang="en"/>
+                        <a:rPr lang="en" dirty="0"/>
                         <a:t>col.apply(lambda x: 1 if x  &gt; 50 else 0)</a:t>
                       </a:r>
-                      <a:endParaRPr/>
+                      <a:endParaRPr dirty="0"/>
                     </a:p>
                   </a:txBody>
                   <a:tcPr marL="91425" marR="91425" marT="91425" marB="91425"/>
@@ -15492,7 +15629,7 @@
               <a:rPr lang="en"/>
               <a:t>Overloaded Operator Ideas</a:t>
             </a:r>
-            <a:endParaRPr/>
+            <a:endParaRPr dirty="0"/>
           </a:p>
         </p:txBody>
       </p:sp>
@@ -15659,7 +15796,7 @@
               <a:rPr lang="en" b="1"/>
               <a:t>Transform Features</a:t>
             </a:r>
-            <a:endParaRPr b="1"/>
+            <a:endParaRPr b="1" dirty="0"/>
           </a:p>
           <a:p>
             <a:pPr marL="0" lvl="0" indent="0" algn="l" rtl="0">
@@ -15671,7 +15808,7 @@
               </a:spcAft>
               <a:buNone/>
             </a:pPr>
-            <a:endParaRPr/>
+            <a:endParaRPr dirty="0"/>
           </a:p>
           <a:p>
             <a:pPr marL="457200" lvl="0" indent="-317500" algn="l" rtl="0">
@@ -15691,7 +15828,7 @@
             <a:br>
               <a:rPr lang="en"/>
             </a:br>
-            <a:endParaRPr/>
+            <a:endParaRPr dirty="0"/>
           </a:p>
           <a:p>
             <a:pPr marL="457200" lvl="0" indent="-317500" algn="l" rtl="0">
@@ -15714,7 +15851,7 @@
             <a:br>
               <a:rPr lang="en"/>
             </a:br>
-            <a:endParaRPr/>
+            <a:endParaRPr dirty="0"/>
           </a:p>
         </p:txBody>
       </p:sp>
@@ -15781,7 +15918,7 @@
               <a:rPr lang="en"/>
               <a:t>Datetime Ideas</a:t>
             </a:r>
-            <a:endParaRPr/>
+            <a:endParaRPr dirty="0"/>
           </a:p>
         </p:txBody>
       </p:sp>
@@ -15832,7 +15969,7 @@
               <a:rPr lang="en" b="1"/>
               <a:t>Extract More Information</a:t>
             </a:r>
-            <a:endParaRPr b="1"/>
+            <a:endParaRPr b="1" dirty="0"/>
           </a:p>
           <a:p>
             <a:pPr marL="0" lvl="0" indent="0" algn="l" rtl="0">
@@ -15844,7 +15981,7 @@
               </a:spcAft>
               <a:buNone/>
             </a:pPr>
-            <a:endParaRPr/>
+            <a:endParaRPr dirty="0"/>
           </a:p>
           <a:p>
             <a:pPr marL="457200" lvl="0" indent="-317500" algn="l" rtl="0">
@@ -15864,7 +16001,7 @@
             <a:br>
               <a:rPr lang="en"/>
             </a:br>
-            <a:endParaRPr/>
+            <a:endParaRPr dirty="0"/>
           </a:p>
           <a:p>
             <a:pPr marL="457200" lvl="0" indent="-317500" algn="l" rtl="0">
@@ -15881,7 +16018,7 @@
               <a:rPr lang="en"/>
               <a:t>df[‘hour’] = df[‘datetime’].dt.hour</a:t>
             </a:r>
-            <a:endParaRPr/>
+            <a:endParaRPr dirty="0"/>
           </a:p>
           <a:p>
             <a:pPr marL="0" lvl="0" indent="0" algn="l" rtl="0">
@@ -15893,7 +16030,7 @@
               </a:spcAft>
               <a:buNone/>
             </a:pPr>
-            <a:endParaRPr/>
+            <a:endParaRPr dirty="0"/>
           </a:p>
         </p:txBody>
       </p:sp>
@@ -15960,7 +16097,7 @@
               <a:rPr lang="en"/>
               <a:t>New Ideas:</a:t>
             </a:r>
-            <a:endParaRPr/>
+            <a:endParaRPr dirty="0"/>
           </a:p>
         </p:txBody>
       </p:sp>
@@ -16011,7 +16148,7 @@
               <a:rPr lang="en" sz="1800" b="1"/>
               <a:t>Binning</a:t>
             </a:r>
-            <a:endParaRPr sz="1800" b="1"/>
+            <a:endParaRPr sz="1800" b="1" dirty="0"/>
           </a:p>
           <a:p>
             <a:pPr marL="457200" lvl="0" indent="-342900" algn="l" rtl="0">
@@ -16031,7 +16168,7 @@
             <a:br>
               <a:rPr lang="en" sz="1800"/>
             </a:br>
-            <a:endParaRPr sz="1800"/>
+            <a:endParaRPr sz="1800" dirty="0"/>
           </a:p>
           <a:p>
             <a:pPr marL="457200" lvl="0" indent="-342900" algn="l" rtl="0">
@@ -16051,7 +16188,7 @@
             <a:br>
               <a:rPr lang="en" sz="1800"/>
             </a:br>
-            <a:endParaRPr sz="1800"/>
+            <a:endParaRPr sz="1800" dirty="0"/>
           </a:p>
           <a:p>
             <a:pPr marL="457200" lvl="0" indent="-342900" algn="l" rtl="0">
@@ -16071,7 +16208,7 @@
             <a:br>
               <a:rPr lang="en" sz="1800"/>
             </a:br>
-            <a:endParaRPr sz="1800"/>
+            <a:endParaRPr sz="1800" dirty="0"/>
           </a:p>
           <a:p>
             <a:pPr marL="457200" lvl="0" indent="-342900" algn="l" rtl="0">
@@ -16091,7 +16228,7 @@
             <a:br>
               <a:rPr lang="en" sz="1800"/>
             </a:br>
-            <a:endParaRPr sz="1800"/>
+            <a:endParaRPr sz="1800" dirty="0"/>
           </a:p>
         </p:txBody>
       </p:sp>
@@ -16142,7 +16279,7 @@
             <a:br>
               <a:rPr lang="en" sz="1800" b="1"/>
             </a:br>
-            <a:endParaRPr sz="1800" b="1"/>
+            <a:endParaRPr sz="1800" b="1" dirty="0"/>
           </a:p>
           <a:p>
             <a:pPr marL="457200" lvl="0" indent="-342900" algn="l" rtl="0">
@@ -16162,7 +16299,7 @@
             <a:br>
               <a:rPr lang="en" sz="1800"/>
             </a:br>
-            <a:endParaRPr sz="1800"/>
+            <a:endParaRPr sz="1800" dirty="0"/>
           </a:p>
           <a:p>
             <a:pPr marL="457200" lvl="0" indent="-342900" algn="l" rtl="0">
@@ -16182,7 +16319,7 @@
             <a:br>
               <a:rPr lang="en" sz="1800"/>
             </a:br>
-            <a:endParaRPr sz="1800"/>
+            <a:endParaRPr sz="1800" dirty="0"/>
           </a:p>
           <a:p>
             <a:pPr marL="457200" lvl="0" indent="-342900" algn="l" rtl="0">
@@ -16199,7 +16336,7 @@
               <a:rPr lang="en" sz="1800"/>
               <a:t>Makes numeric columns non-linear</a:t>
             </a:r>
-            <a:endParaRPr sz="1800"/>
+            <a:endParaRPr sz="1800" dirty="0"/>
           </a:p>
         </p:txBody>
       </p:sp>
